--- a/Turma Intensivo - Manhã Julho 2017/Aula 5/Aula de Excel 5.pptx
+++ b/Turma Intensivo - Manhã Julho 2017/Aula 5/Aula de Excel 5.pptx
@@ -5,17 +5,19 @@
     <p:sldMasterId id="2147483678" r:id="rId1"/>
   </p:sldMasterIdLst>
   <p:notesMasterIdLst>
-    <p:notesMasterId r:id="rId10"/>
+    <p:notesMasterId r:id="rId12"/>
   </p:notesMasterIdLst>
   <p:sldIdLst>
     <p:sldId id="256" r:id="rId2"/>
     <p:sldId id="258" r:id="rId3"/>
-    <p:sldId id="265" r:id="rId4"/>
-    <p:sldId id="266" r:id="rId5"/>
-    <p:sldId id="264" r:id="rId6"/>
-    <p:sldId id="263" r:id="rId7"/>
-    <p:sldId id="261" r:id="rId8"/>
-    <p:sldId id="262" r:id="rId9"/>
+    <p:sldId id="263" r:id="rId4"/>
+    <p:sldId id="261" r:id="rId5"/>
+    <p:sldId id="262" r:id="rId6"/>
+    <p:sldId id="269" r:id="rId7"/>
+    <p:sldId id="270" r:id="rId8"/>
+    <p:sldId id="271" r:id="rId9"/>
+    <p:sldId id="267" r:id="rId10"/>
+    <p:sldId id="268" r:id="rId11"/>
   </p:sldIdLst>
   <p:sldSz cx="12192000" cy="6858000"/>
   <p:notesSz cx="6858000" cy="9144000"/>
@@ -208,7 +210,7 @@
           <a:p>
             <a:fld id="{184BBF33-DD10-46B2-A0A7-44165F3356F0}" type="datetimeFigureOut">
               <a:rPr lang="pt-BR" smtClean="0"/>
-              <a:t>20/07/2017</a:t>
+              <a:t>21/07/2017</a:t>
             </a:fld>
             <a:endParaRPr lang="pt-BR"/>
           </a:p>
@@ -609,7 +611,7 @@
           <a:p>
             <a:fld id="{5DC0A380-1AFD-4832-A7B6-EA0A2155F270}" type="slidenum">
               <a:rPr lang="pt-BR" smtClean="0"/>
-              <a:t>7</a:t>
+              <a:t>4</a:t>
             </a:fld>
             <a:endParaRPr lang="pt-BR"/>
           </a:p>
@@ -807,7 +809,7 @@
           <a:p>
             <a:fld id="{11612DAF-FD73-4975-A585-30AE5A550125}" type="datetimeFigureOut">
               <a:rPr lang="pt-BR" smtClean="0"/>
-              <a:t>20/07/2017</a:t>
+              <a:t>21/07/2017</a:t>
             </a:fld>
             <a:endParaRPr lang="pt-BR"/>
           </a:p>
@@ -987,7 +989,7 @@
           <a:p>
             <a:fld id="{11612DAF-FD73-4975-A585-30AE5A550125}" type="datetimeFigureOut">
               <a:rPr lang="pt-BR" smtClean="0"/>
-              <a:t>20/07/2017</a:t>
+              <a:t>21/07/2017</a:t>
             </a:fld>
             <a:endParaRPr lang="pt-BR"/>
           </a:p>
@@ -1177,7 +1179,7 @@
           <a:p>
             <a:fld id="{11612DAF-FD73-4975-A585-30AE5A550125}" type="datetimeFigureOut">
               <a:rPr lang="pt-BR" smtClean="0"/>
-              <a:t>20/07/2017</a:t>
+              <a:t>21/07/2017</a:t>
             </a:fld>
             <a:endParaRPr lang="pt-BR"/>
           </a:p>
@@ -1357,7 +1359,7 @@
           <a:p>
             <a:fld id="{11612DAF-FD73-4975-A585-30AE5A550125}" type="datetimeFigureOut">
               <a:rPr lang="pt-BR" smtClean="0"/>
-              <a:t>20/07/2017</a:t>
+              <a:t>21/07/2017</a:t>
             </a:fld>
             <a:endParaRPr lang="pt-BR"/>
           </a:p>
@@ -1614,7 +1616,7 @@
           <a:p>
             <a:fld id="{11612DAF-FD73-4975-A585-30AE5A550125}" type="datetimeFigureOut">
               <a:rPr lang="pt-BR" smtClean="0"/>
-              <a:t>20/07/2017</a:t>
+              <a:t>21/07/2017</a:t>
             </a:fld>
             <a:endParaRPr lang="pt-BR"/>
           </a:p>
@@ -1911,7 +1913,7 @@
           <a:p>
             <a:fld id="{11612DAF-FD73-4975-A585-30AE5A550125}" type="datetimeFigureOut">
               <a:rPr lang="pt-BR" smtClean="0"/>
-              <a:t>20/07/2017</a:t>
+              <a:t>21/07/2017</a:t>
             </a:fld>
             <a:endParaRPr lang="pt-BR"/>
           </a:p>
@@ -2347,7 +2349,7 @@
           <a:p>
             <a:fld id="{11612DAF-FD73-4975-A585-30AE5A550125}" type="datetimeFigureOut">
               <a:rPr lang="pt-BR" smtClean="0"/>
-              <a:t>20/07/2017</a:t>
+              <a:t>21/07/2017</a:t>
             </a:fld>
             <a:endParaRPr lang="pt-BR"/>
           </a:p>
@@ -2476,7 +2478,7 @@
           <a:p>
             <a:fld id="{11612DAF-FD73-4975-A585-30AE5A550125}" type="datetimeFigureOut">
               <a:rPr lang="pt-BR" smtClean="0"/>
-              <a:t>20/07/2017</a:t>
+              <a:t>21/07/2017</a:t>
             </a:fld>
             <a:endParaRPr lang="pt-BR"/>
           </a:p>
@@ -2583,7 +2585,7 @@
           <a:p>
             <a:fld id="{11612DAF-FD73-4975-A585-30AE5A550125}" type="datetimeFigureOut">
               <a:rPr lang="pt-BR" smtClean="0"/>
-              <a:t>20/07/2017</a:t>
+              <a:t>21/07/2017</a:t>
             </a:fld>
             <a:endParaRPr lang="pt-BR"/>
           </a:p>
@@ -2870,7 +2872,7 @@
           <a:p>
             <a:fld id="{11612DAF-FD73-4975-A585-30AE5A550125}" type="datetimeFigureOut">
               <a:rPr lang="pt-BR" smtClean="0"/>
-              <a:t>20/07/2017</a:t>
+              <a:t>21/07/2017</a:t>
             </a:fld>
             <a:endParaRPr lang="pt-BR"/>
           </a:p>
@@ -3137,7 +3139,7 @@
           <a:p>
             <a:fld id="{11612DAF-FD73-4975-A585-30AE5A550125}" type="datetimeFigureOut">
               <a:rPr lang="pt-BR" smtClean="0"/>
-              <a:t>20/07/2017</a:t>
+              <a:t>21/07/2017</a:t>
             </a:fld>
             <a:endParaRPr lang="pt-BR"/>
           </a:p>
@@ -3360,7 +3362,7 @@
           <a:p>
             <a:fld id="{11612DAF-FD73-4975-A585-30AE5A550125}" type="datetimeFigureOut">
               <a:rPr lang="pt-BR" smtClean="0"/>
-              <a:t>20/07/2017</a:t>
+              <a:t>21/07/2017</a:t>
             </a:fld>
             <a:endParaRPr lang="pt-BR"/>
           </a:p>
@@ -4048,6 +4050,308 @@
 </p:sld>
 </file>
 
+<file path=ppt/slides/slide10.xml><?xml version="1.0" encoding="utf-8"?>
+<p:sld xmlns:a="http://schemas.openxmlformats.org/drawingml/2006/main" xmlns:r="http://schemas.openxmlformats.org/officeDocument/2006/relationships" xmlns:p="http://schemas.openxmlformats.org/presentationml/2006/main">
+  <p:cSld>
+    <p:spTree>
+      <p:nvGrpSpPr>
+        <p:cNvPr id="1" name=""/>
+        <p:cNvGrpSpPr/>
+        <p:nvPr/>
+      </p:nvGrpSpPr>
+      <p:grpSpPr>
+        <a:xfrm>
+          <a:off x="0" y="0"/>
+          <a:ext cx="0" cy="0"/>
+          <a:chOff x="0" y="0"/>
+          <a:chExt cx="0" cy="0"/>
+        </a:xfrm>
+      </p:grpSpPr>
+      <p:sp>
+        <p:nvSpPr>
+          <p:cNvPr id="6" name="Retângulo 5"/>
+          <p:cNvSpPr/>
+          <p:nvPr/>
+        </p:nvSpPr>
+        <p:spPr>
+          <a:xfrm flipH="1">
+            <a:off x="-4763" y="165794"/>
+            <a:ext cx="12192000" cy="1309753"/>
+          </a:xfrm>
+          <a:prstGeom prst="rect">
+            <a:avLst/>
+          </a:prstGeom>
+          <a:solidFill>
+            <a:srgbClr val="DC474B"/>
+          </a:solidFill>
+          <a:ln>
+            <a:noFill/>
+          </a:ln>
+          <a:effectLst>
+            <a:glow>
+              <a:schemeClr val="accent1"/>
+            </a:glow>
+          </a:effectLst>
+        </p:spPr>
+        <p:style>
+          <a:lnRef idx="2">
+            <a:schemeClr val="accent1">
+              <a:shade val="50000"/>
+            </a:schemeClr>
+          </a:lnRef>
+          <a:fillRef idx="1">
+            <a:schemeClr val="accent1"/>
+          </a:fillRef>
+          <a:effectRef idx="0">
+            <a:schemeClr val="accent1"/>
+          </a:effectRef>
+          <a:fontRef idx="minor">
+            <a:schemeClr val="lt1"/>
+          </a:fontRef>
+        </p:style>
+        <p:txBody>
+          <a:bodyPr rtlCol="0" anchor="ctr"/>
+          <a:lstStyle/>
+          <a:p>
+            <a:pPr algn="ctr"/>
+            <a:endParaRPr lang="pt-BR"/>
+          </a:p>
+        </p:txBody>
+      </p:sp>
+      <p:sp>
+        <p:nvSpPr>
+          <p:cNvPr id="2" name="Título 1"/>
+          <p:cNvSpPr>
+            <a:spLocks noGrp="1"/>
+          </p:cNvSpPr>
+          <p:nvPr>
+            <p:ph type="ctrTitle"/>
+          </p:nvPr>
+        </p:nvSpPr>
+        <p:spPr>
+          <a:xfrm>
+            <a:off x="-4764" y="80449"/>
+            <a:ext cx="9205035" cy="1223237"/>
+          </a:xfrm>
+          <a:ln>
+            <a:noFill/>
+          </a:ln>
+          <a:effectLst>
+            <a:outerShdw blurRad="44450" dist="27940" dir="5400000" algn="ctr">
+              <a:schemeClr val="tx1">
+                <a:alpha val="32000"/>
+              </a:schemeClr>
+            </a:outerShdw>
+          </a:effectLst>
+          <a:scene3d>
+            <a:camera prst="orthographicFront">
+              <a:rot lat="0" lon="0" rev="0"/>
+            </a:camera>
+            <a:lightRig rig="balanced" dir="t">
+              <a:rot lat="0" lon="0" rev="8700000"/>
+            </a:lightRig>
+          </a:scene3d>
+          <a:sp3d>
+            <a:bevelT w="190500" h="38100"/>
+          </a:sp3d>
+        </p:spPr>
+        <p:txBody>
+          <a:bodyPr>
+            <a:noAutofit/>
+          </a:bodyPr>
+          <a:lstStyle/>
+          <a:p>
+            <a:pPr algn="l"/>
+            <a:r>
+              <a:rPr lang="pt-BR" sz="4800" dirty="0">
+                <a:solidFill>
+                  <a:schemeClr val="bg1"/>
+                </a:solidFill>
+                <a:latin typeface="Arial" panose="020B0604020202020204" pitchFamily="34" charset="0"/>
+                <a:cs typeface="Arial" panose="020B0604020202020204" pitchFamily="34" charset="0"/>
+              </a:rPr>
+              <a:t>Funções com letras</a:t>
+            </a:r>
+            <a:r>
+              <a:rPr lang="pt-BR" sz="6000" dirty="0">
+                <a:solidFill>
+                  <a:schemeClr val="bg1"/>
+                </a:solidFill>
+                <a:latin typeface="Arial" panose="020B0604020202020204" pitchFamily="34" charset="0"/>
+                <a:cs typeface="Arial" panose="020B0604020202020204" pitchFamily="34" charset="0"/>
+              </a:rPr>
+              <a:t>:</a:t>
+            </a:r>
+          </a:p>
+        </p:txBody>
+      </p:sp>
+      <p:grpSp>
+        <p:nvGrpSpPr>
+          <p:cNvPr id="3" name="Grupo 2"/>
+          <p:cNvGrpSpPr/>
+          <p:nvPr/>
+        </p:nvGrpSpPr>
+        <p:grpSpPr>
+          <a:xfrm>
+            <a:off x="9009915" y="332447"/>
+            <a:ext cx="3182085" cy="978406"/>
+            <a:chOff x="9009915" y="332447"/>
+            <a:chExt cx="3182085" cy="978406"/>
+          </a:xfrm>
+        </p:grpSpPr>
+        <p:pic>
+          <p:nvPicPr>
+            <p:cNvPr id="1026" name="Picture 2" descr="http://www.ccbeusorocaba.com.br/wp-content/uploads/2014/10/logo-site.png"/>
+            <p:cNvPicPr>
+              <a:picLocks noChangeAspect="1" noChangeArrowheads="1"/>
+            </p:cNvPicPr>
+            <p:nvPr/>
+          </p:nvPicPr>
+          <p:blipFill rotWithShape="1">
+            <a:blip r:embed="rId2">
+              <a:biLevel thresh="25000"/>
+              <a:extLst>
+                <a:ext uri="{28A0092B-C50C-407E-A947-70E740481C1C}">
+                  <a14:useLocalDpi xmlns:a14="http://schemas.microsoft.com/office/drawing/2010/main" val="0"/>
+                </a:ext>
+              </a:extLst>
+            </a:blip>
+            <a:srcRect b="22842"/>
+            <a:stretch/>
+          </p:blipFill>
+          <p:spPr bwMode="auto">
+            <a:xfrm>
+              <a:off x="9009915" y="332447"/>
+              <a:ext cx="3177322" cy="753404"/>
+            </a:xfrm>
+            <a:prstGeom prst="rect">
+              <a:avLst/>
+            </a:prstGeom>
+            <a:noFill/>
+            <a:effectLst/>
+            <a:extLst>
+              <a:ext uri="{909E8E84-426E-40DD-AFC4-6F175D3DCCD1}">
+                <a14:hiddenFill xmlns:a14="http://schemas.microsoft.com/office/drawing/2010/main">
+                  <a:solidFill>
+                    <a:srgbClr val="FFFFFF"/>
+                  </a:solidFill>
+                </a14:hiddenFill>
+              </a:ext>
+            </a:extLst>
+          </p:spPr>
+        </p:pic>
+        <p:pic>
+          <p:nvPicPr>
+            <p:cNvPr id="8" name="Picture 2" descr="http://www.ccbeusorocaba.com.br/wp-content/uploads/2014/10/logo-site.png"/>
+            <p:cNvPicPr>
+              <a:picLocks noChangeAspect="1" noChangeArrowheads="1"/>
+            </p:cNvPicPr>
+            <p:nvPr/>
+          </p:nvPicPr>
+          <p:blipFill rotWithShape="1">
+            <a:blip r:embed="rId3">
+              <a:biLevel thresh="25000"/>
+              <a:extLst>
+                <a:ext uri="{BEBA8EAE-BF5A-486C-A8C5-ECC9F3942E4B}">
+                  <a14:imgProps xmlns:a14="http://schemas.microsoft.com/office/drawing/2010/main">
+                    <a14:imgLayer r:embed="rId4">
+                      <a14:imgEffect>
+                        <a14:brightnessContrast bright="20000" contrast="-40000"/>
+                      </a14:imgEffect>
+                    </a14:imgLayer>
+                  </a14:imgProps>
+                </a:ext>
+                <a:ext uri="{28A0092B-C50C-407E-A947-70E740481C1C}">
+                  <a14:useLocalDpi xmlns:a14="http://schemas.microsoft.com/office/drawing/2010/main" val="0"/>
+                </a:ext>
+              </a:extLst>
+            </a:blip>
+            <a:srcRect t="76760"/>
+            <a:stretch/>
+          </p:blipFill>
+          <p:spPr bwMode="auto">
+            <a:xfrm>
+              <a:off x="9014678" y="1083922"/>
+              <a:ext cx="3177322" cy="226931"/>
+            </a:xfrm>
+            <a:prstGeom prst="rect">
+              <a:avLst/>
+            </a:prstGeom>
+            <a:noFill/>
+            <a:effectLst/>
+            <a:extLst>
+              <a:ext uri="{909E8E84-426E-40DD-AFC4-6F175D3DCCD1}">
+                <a14:hiddenFill xmlns:a14="http://schemas.microsoft.com/office/drawing/2010/main">
+                  <a:solidFill>
+                    <a:srgbClr val="FFFFFF"/>
+                  </a:solidFill>
+                </a14:hiddenFill>
+              </a:ext>
+            </a:extLst>
+          </p:spPr>
+        </p:pic>
+      </p:grpSp>
+      <p:pic>
+        <p:nvPicPr>
+          <p:cNvPr id="7" name="Imagem 6" descr="Recorte de Tela">
+            <a:extLst>
+              <a:ext uri="{FF2B5EF4-FFF2-40B4-BE49-F238E27FC236}">
+                <a16:creationId xmlns:a16="http://schemas.microsoft.com/office/drawing/2014/main" id="{47F9CE55-51DA-4F0B-8861-9C5DB1220430}"/>
+              </a:ext>
+            </a:extLst>
+          </p:cNvPr>
+          <p:cNvPicPr>
+            <a:picLocks noChangeAspect="1"/>
+          </p:cNvPicPr>
+          <p:nvPr/>
+        </p:nvPicPr>
+        <p:blipFill>
+          <a:blip r:embed="rId5">
+            <a:extLst>
+              <a:ext uri="{28A0092B-C50C-407E-A947-70E740481C1C}">
+                <a14:useLocalDpi xmlns:a14="http://schemas.microsoft.com/office/drawing/2010/main" val="0"/>
+              </a:ext>
+            </a:extLst>
+          </a:blip>
+          <a:stretch>
+            <a:fillRect/>
+          </a:stretch>
+        </p:blipFill>
+        <p:spPr>
+          <a:xfrm>
+            <a:off x="439611" y="1837326"/>
+            <a:ext cx="10405406" cy="4459460"/>
+          </a:xfrm>
+          <a:prstGeom prst="rect">
+            <a:avLst/>
+          </a:prstGeom>
+        </p:spPr>
+      </p:pic>
+    </p:spTree>
+    <p:extLst>
+      <p:ext uri="{BB962C8B-B14F-4D97-AF65-F5344CB8AC3E}">
+        <p14:creationId xmlns:p14="http://schemas.microsoft.com/office/powerpoint/2010/main" val="3174774233"/>
+      </p:ext>
+    </p:extLst>
+  </p:cSld>
+  <p:clrMapOvr>
+    <a:masterClrMapping/>
+  </p:clrMapOvr>
+  <mc:AlternateContent xmlns:mc="http://schemas.openxmlformats.org/markup-compatibility/2006" xmlns:p159="http://schemas.microsoft.com/office/powerpoint/2015/09/main">
+    <mc:Choice Requires="p159">
+      <p:transition xmlns:p14="http://schemas.microsoft.com/office/powerpoint/2010/main" spd="slow" p14:dur="2000">
+        <p159:morph option="byObject"/>
+      </p:transition>
+    </mc:Choice>
+    <mc:Fallback xmlns="">
+      <p:transition spd="slow">
+        <p:fade/>
+      </p:transition>
+    </mc:Fallback>
+  </mc:AlternateContent>
+</p:sld>
+</file>
+
 <file path=ppt/slides/slide2.xml><?xml version="1.0" encoding="utf-8"?>
 <p:sld xmlns:a="http://schemas.openxmlformats.org/drawingml/2006/main" xmlns:r="http://schemas.openxmlformats.org/officeDocument/2006/relationships" xmlns:p="http://schemas.openxmlformats.org/presentationml/2006/main">
   <p:cSld>
@@ -4474,1042 +4778,6 @@
 </file>
 
 <file path=ppt/slides/slide3.xml><?xml version="1.0" encoding="utf-8"?>
-<p:sld xmlns:a="http://schemas.openxmlformats.org/drawingml/2006/main" xmlns:r="http://schemas.openxmlformats.org/officeDocument/2006/relationships" xmlns:p="http://schemas.openxmlformats.org/presentationml/2006/main">
-  <p:cSld>
-    <p:spTree>
-      <p:nvGrpSpPr>
-        <p:cNvPr id="1" name=""/>
-        <p:cNvGrpSpPr/>
-        <p:nvPr/>
-      </p:nvGrpSpPr>
-      <p:grpSpPr>
-        <a:xfrm>
-          <a:off x="0" y="0"/>
-          <a:ext cx="0" cy="0"/>
-          <a:chOff x="0" y="0"/>
-          <a:chExt cx="0" cy="0"/>
-        </a:xfrm>
-      </p:grpSpPr>
-      <p:sp>
-        <p:nvSpPr>
-          <p:cNvPr id="6" name="Retângulo 5"/>
-          <p:cNvSpPr/>
-          <p:nvPr/>
-        </p:nvSpPr>
-        <p:spPr>
-          <a:xfrm flipH="1">
-            <a:off x="-4763" y="165794"/>
-            <a:ext cx="12192000" cy="1309753"/>
-          </a:xfrm>
-          <a:prstGeom prst="rect">
-            <a:avLst/>
-          </a:prstGeom>
-          <a:solidFill>
-            <a:srgbClr val="DC474B"/>
-          </a:solidFill>
-          <a:ln>
-            <a:noFill/>
-          </a:ln>
-          <a:effectLst>
-            <a:glow>
-              <a:schemeClr val="accent1"/>
-            </a:glow>
-          </a:effectLst>
-        </p:spPr>
-        <p:style>
-          <a:lnRef idx="2">
-            <a:schemeClr val="accent1">
-              <a:shade val="50000"/>
-            </a:schemeClr>
-          </a:lnRef>
-          <a:fillRef idx="1">
-            <a:schemeClr val="accent1"/>
-          </a:fillRef>
-          <a:effectRef idx="0">
-            <a:schemeClr val="accent1"/>
-          </a:effectRef>
-          <a:fontRef idx="minor">
-            <a:schemeClr val="lt1"/>
-          </a:fontRef>
-        </p:style>
-        <p:txBody>
-          <a:bodyPr rtlCol="0" anchor="ctr"/>
-          <a:lstStyle/>
-          <a:p>
-            <a:pPr algn="ctr"/>
-            <a:endParaRPr lang="pt-BR"/>
-          </a:p>
-        </p:txBody>
-      </p:sp>
-      <p:sp>
-        <p:nvSpPr>
-          <p:cNvPr id="2" name="Título 1"/>
-          <p:cNvSpPr>
-            <a:spLocks noGrp="1"/>
-          </p:cNvSpPr>
-          <p:nvPr>
-            <p:ph type="ctrTitle"/>
-          </p:nvPr>
-        </p:nvSpPr>
-        <p:spPr>
-          <a:xfrm>
-            <a:off x="-4764" y="80449"/>
-            <a:ext cx="9205035" cy="1223237"/>
-          </a:xfrm>
-          <a:ln>
-            <a:noFill/>
-          </a:ln>
-          <a:effectLst>
-            <a:outerShdw blurRad="44450" dist="27940" dir="5400000" algn="ctr">
-              <a:schemeClr val="tx1">
-                <a:alpha val="32000"/>
-              </a:schemeClr>
-            </a:outerShdw>
-          </a:effectLst>
-          <a:scene3d>
-            <a:camera prst="orthographicFront">
-              <a:rot lat="0" lon="0" rev="0"/>
-            </a:camera>
-            <a:lightRig rig="balanced" dir="t">
-              <a:rot lat="0" lon="0" rev="8700000"/>
-            </a:lightRig>
-          </a:scene3d>
-          <a:sp3d>
-            <a:bevelT w="190500" h="38100"/>
-          </a:sp3d>
-        </p:spPr>
-        <p:txBody>
-          <a:bodyPr>
-            <a:noAutofit/>
-          </a:bodyPr>
-          <a:lstStyle/>
-          <a:p>
-            <a:pPr algn="l"/>
-            <a:r>
-              <a:rPr lang="pt-BR" sz="4800" dirty="0">
-                <a:solidFill>
-                  <a:schemeClr val="bg1"/>
-                </a:solidFill>
-                <a:latin typeface="Arial" panose="020B0604020202020204" pitchFamily="34" charset="0"/>
-                <a:cs typeface="Arial" panose="020B0604020202020204" pitchFamily="34" charset="0"/>
-              </a:rPr>
-              <a:t>Função Direita</a:t>
-            </a:r>
-            <a:r>
-              <a:rPr lang="pt-BR" sz="6000" dirty="0">
-                <a:solidFill>
-                  <a:schemeClr val="bg1"/>
-                </a:solidFill>
-                <a:latin typeface="Arial" panose="020B0604020202020204" pitchFamily="34" charset="0"/>
-                <a:cs typeface="Arial" panose="020B0604020202020204" pitchFamily="34" charset="0"/>
-              </a:rPr>
-              <a:t>:</a:t>
-            </a:r>
-          </a:p>
-        </p:txBody>
-      </p:sp>
-      <p:grpSp>
-        <p:nvGrpSpPr>
-          <p:cNvPr id="3" name="Grupo 2"/>
-          <p:cNvGrpSpPr/>
-          <p:nvPr/>
-        </p:nvGrpSpPr>
-        <p:grpSpPr>
-          <a:xfrm>
-            <a:off x="9009915" y="332447"/>
-            <a:ext cx="3182085" cy="978406"/>
-            <a:chOff x="9009915" y="332447"/>
-            <a:chExt cx="3182085" cy="978406"/>
-          </a:xfrm>
-        </p:grpSpPr>
-        <p:pic>
-          <p:nvPicPr>
-            <p:cNvPr id="1026" name="Picture 2" descr="http://www.ccbeusorocaba.com.br/wp-content/uploads/2014/10/logo-site.png"/>
-            <p:cNvPicPr>
-              <a:picLocks noChangeAspect="1" noChangeArrowheads="1"/>
-            </p:cNvPicPr>
-            <p:nvPr/>
-          </p:nvPicPr>
-          <p:blipFill rotWithShape="1">
-            <a:blip r:embed="rId2">
-              <a:biLevel thresh="25000"/>
-              <a:extLst>
-                <a:ext uri="{28A0092B-C50C-407E-A947-70E740481C1C}">
-                  <a14:useLocalDpi xmlns:a14="http://schemas.microsoft.com/office/drawing/2010/main" val="0"/>
-                </a:ext>
-              </a:extLst>
-            </a:blip>
-            <a:srcRect b="22842"/>
-            <a:stretch/>
-          </p:blipFill>
-          <p:spPr bwMode="auto">
-            <a:xfrm>
-              <a:off x="9009915" y="332447"/>
-              <a:ext cx="3177322" cy="753404"/>
-            </a:xfrm>
-            <a:prstGeom prst="rect">
-              <a:avLst/>
-            </a:prstGeom>
-            <a:noFill/>
-            <a:effectLst/>
-            <a:extLst>
-              <a:ext uri="{909E8E84-426E-40DD-AFC4-6F175D3DCCD1}">
-                <a14:hiddenFill xmlns:a14="http://schemas.microsoft.com/office/drawing/2010/main">
-                  <a:solidFill>
-                    <a:srgbClr val="FFFFFF"/>
-                  </a:solidFill>
-                </a14:hiddenFill>
-              </a:ext>
-            </a:extLst>
-          </p:spPr>
-        </p:pic>
-        <p:pic>
-          <p:nvPicPr>
-            <p:cNvPr id="8" name="Picture 2" descr="http://www.ccbeusorocaba.com.br/wp-content/uploads/2014/10/logo-site.png"/>
-            <p:cNvPicPr>
-              <a:picLocks noChangeAspect="1" noChangeArrowheads="1"/>
-            </p:cNvPicPr>
-            <p:nvPr/>
-          </p:nvPicPr>
-          <p:blipFill rotWithShape="1">
-            <a:blip r:embed="rId3">
-              <a:biLevel thresh="25000"/>
-              <a:extLst>
-                <a:ext uri="{BEBA8EAE-BF5A-486C-A8C5-ECC9F3942E4B}">
-                  <a14:imgProps xmlns:a14="http://schemas.microsoft.com/office/drawing/2010/main">
-                    <a14:imgLayer r:embed="rId4">
-                      <a14:imgEffect>
-                        <a14:brightnessContrast bright="20000" contrast="-40000"/>
-                      </a14:imgEffect>
-                    </a14:imgLayer>
-                  </a14:imgProps>
-                </a:ext>
-                <a:ext uri="{28A0092B-C50C-407E-A947-70E740481C1C}">
-                  <a14:useLocalDpi xmlns:a14="http://schemas.microsoft.com/office/drawing/2010/main" val="0"/>
-                </a:ext>
-              </a:extLst>
-            </a:blip>
-            <a:srcRect t="76760"/>
-            <a:stretch/>
-          </p:blipFill>
-          <p:spPr bwMode="auto">
-            <a:xfrm>
-              <a:off x="9014678" y="1083922"/>
-              <a:ext cx="3177322" cy="226931"/>
-            </a:xfrm>
-            <a:prstGeom prst="rect">
-              <a:avLst/>
-            </a:prstGeom>
-            <a:noFill/>
-            <a:effectLst/>
-            <a:extLst>
-              <a:ext uri="{909E8E84-426E-40DD-AFC4-6F175D3DCCD1}">
-                <a14:hiddenFill xmlns:a14="http://schemas.microsoft.com/office/drawing/2010/main">
-                  <a:solidFill>
-                    <a:srgbClr val="FFFFFF"/>
-                  </a:solidFill>
-                </a14:hiddenFill>
-              </a:ext>
-            </a:extLst>
-          </p:spPr>
-        </p:pic>
-      </p:grpSp>
-      <p:grpSp>
-        <p:nvGrpSpPr>
-          <p:cNvPr id="10" name="Agrupar 9"/>
-          <p:cNvGrpSpPr/>
-          <p:nvPr/>
-        </p:nvGrpSpPr>
-        <p:grpSpPr>
-          <a:xfrm>
-            <a:off x="154671" y="1642200"/>
-            <a:ext cx="11788726" cy="3283314"/>
-            <a:chOff x="822473" y="1642200"/>
-            <a:chExt cx="10886876" cy="2702372"/>
-          </a:xfrm>
-        </p:grpSpPr>
-        <p:pic>
-          <p:nvPicPr>
-            <p:cNvPr id="7" name="Imagem 6" descr="Recorte de Tela"/>
-            <p:cNvPicPr>
-              <a:picLocks noChangeAspect="1"/>
-            </p:cNvPicPr>
-            <p:nvPr/>
-          </p:nvPicPr>
-          <p:blipFill rotWithShape="1">
-            <a:blip r:embed="rId5">
-              <a:extLst>
-                <a:ext uri="{28A0092B-C50C-407E-A947-70E740481C1C}">
-                  <a14:useLocalDpi xmlns:a14="http://schemas.microsoft.com/office/drawing/2010/main" val="0"/>
-                </a:ext>
-              </a:extLst>
-            </a:blip>
-            <a:srcRect b="62603"/>
-            <a:stretch/>
-          </p:blipFill>
-          <p:spPr>
-            <a:xfrm>
-              <a:off x="822473" y="1642200"/>
-              <a:ext cx="10537528" cy="1382354"/>
-            </a:xfrm>
-            <a:prstGeom prst="rect">
-              <a:avLst/>
-            </a:prstGeom>
-          </p:spPr>
-        </p:pic>
-        <p:pic>
-          <p:nvPicPr>
-            <p:cNvPr id="15" name="Imagem 14" descr="Recorte de Tela"/>
-            <p:cNvPicPr>
-              <a:picLocks noChangeAspect="1"/>
-            </p:cNvPicPr>
-            <p:nvPr/>
-          </p:nvPicPr>
-          <p:blipFill rotWithShape="1">
-            <a:blip r:embed="rId5">
-              <a:extLst>
-                <a:ext uri="{28A0092B-C50C-407E-A947-70E740481C1C}">
-                  <a14:useLocalDpi xmlns:a14="http://schemas.microsoft.com/office/drawing/2010/main" val="0"/>
-                </a:ext>
-              </a:extLst>
-            </a:blip>
-            <a:srcRect t="68798"/>
-            <a:stretch/>
-          </p:blipFill>
-          <p:spPr>
-            <a:xfrm>
-              <a:off x="1171821" y="3191207"/>
-              <a:ext cx="10537528" cy="1153365"/>
-            </a:xfrm>
-            <a:prstGeom prst="rect">
-              <a:avLst/>
-            </a:prstGeom>
-          </p:spPr>
-        </p:pic>
-      </p:grpSp>
-    </p:spTree>
-    <p:extLst>
-      <p:ext uri="{BB962C8B-B14F-4D97-AF65-F5344CB8AC3E}">
-        <p14:creationId xmlns:p14="http://schemas.microsoft.com/office/powerpoint/2010/main" val="1340273638"/>
-      </p:ext>
-    </p:extLst>
-  </p:cSld>
-  <p:clrMapOvr>
-    <a:masterClrMapping/>
-  </p:clrMapOvr>
-  <mc:AlternateContent xmlns:mc="http://schemas.openxmlformats.org/markup-compatibility/2006" xmlns:p159="http://schemas.microsoft.com/office/powerpoint/2015/09/main">
-    <mc:Choice Requires="p159">
-      <p:transition xmlns:p14="http://schemas.microsoft.com/office/powerpoint/2010/main" spd="slow" p14:dur="2000">
-        <p159:morph option="byObject"/>
-      </p:transition>
-    </mc:Choice>
-    <mc:Fallback xmlns="">
-      <p:transition spd="slow">
-        <p:fade/>
-      </p:transition>
-    </mc:Fallback>
-  </mc:AlternateContent>
-</p:sld>
-</file>
-
-<file path=ppt/slides/slide4.xml><?xml version="1.0" encoding="utf-8"?>
-<p:sld xmlns:a="http://schemas.openxmlformats.org/drawingml/2006/main" xmlns:r="http://schemas.openxmlformats.org/officeDocument/2006/relationships" xmlns:p="http://schemas.openxmlformats.org/presentationml/2006/main">
-  <p:cSld>
-    <p:spTree>
-      <p:nvGrpSpPr>
-        <p:cNvPr id="1" name=""/>
-        <p:cNvGrpSpPr/>
-        <p:nvPr/>
-      </p:nvGrpSpPr>
-      <p:grpSpPr>
-        <a:xfrm>
-          <a:off x="0" y="0"/>
-          <a:ext cx="0" cy="0"/>
-          <a:chOff x="0" y="0"/>
-          <a:chExt cx="0" cy="0"/>
-        </a:xfrm>
-      </p:grpSpPr>
-      <p:sp>
-        <p:nvSpPr>
-          <p:cNvPr id="6" name="Retângulo 5"/>
-          <p:cNvSpPr/>
-          <p:nvPr/>
-        </p:nvSpPr>
-        <p:spPr>
-          <a:xfrm flipH="1">
-            <a:off x="-4763" y="165794"/>
-            <a:ext cx="12192000" cy="1309753"/>
-          </a:xfrm>
-          <a:prstGeom prst="rect">
-            <a:avLst/>
-          </a:prstGeom>
-          <a:solidFill>
-            <a:srgbClr val="DC474B"/>
-          </a:solidFill>
-          <a:ln>
-            <a:noFill/>
-          </a:ln>
-          <a:effectLst>
-            <a:glow>
-              <a:schemeClr val="accent1"/>
-            </a:glow>
-          </a:effectLst>
-        </p:spPr>
-        <p:style>
-          <a:lnRef idx="2">
-            <a:schemeClr val="accent1">
-              <a:shade val="50000"/>
-            </a:schemeClr>
-          </a:lnRef>
-          <a:fillRef idx="1">
-            <a:schemeClr val="accent1"/>
-          </a:fillRef>
-          <a:effectRef idx="0">
-            <a:schemeClr val="accent1"/>
-          </a:effectRef>
-          <a:fontRef idx="minor">
-            <a:schemeClr val="lt1"/>
-          </a:fontRef>
-        </p:style>
-        <p:txBody>
-          <a:bodyPr rtlCol="0" anchor="ctr"/>
-          <a:lstStyle/>
-          <a:p>
-            <a:pPr algn="ctr"/>
-            <a:endParaRPr lang="pt-BR"/>
-          </a:p>
-        </p:txBody>
-      </p:sp>
-      <p:sp>
-        <p:nvSpPr>
-          <p:cNvPr id="2" name="Título 1"/>
-          <p:cNvSpPr>
-            <a:spLocks noGrp="1"/>
-          </p:cNvSpPr>
-          <p:nvPr>
-            <p:ph type="ctrTitle"/>
-          </p:nvPr>
-        </p:nvSpPr>
-        <p:spPr>
-          <a:xfrm>
-            <a:off x="-4764" y="80449"/>
-            <a:ext cx="9205035" cy="1223237"/>
-          </a:xfrm>
-          <a:ln>
-            <a:noFill/>
-          </a:ln>
-          <a:effectLst>
-            <a:outerShdw blurRad="44450" dist="27940" dir="5400000" algn="ctr">
-              <a:schemeClr val="tx1">
-                <a:alpha val="32000"/>
-              </a:schemeClr>
-            </a:outerShdw>
-          </a:effectLst>
-          <a:scene3d>
-            <a:camera prst="orthographicFront">
-              <a:rot lat="0" lon="0" rev="0"/>
-            </a:camera>
-            <a:lightRig rig="balanced" dir="t">
-              <a:rot lat="0" lon="0" rev="8700000"/>
-            </a:lightRig>
-          </a:scene3d>
-          <a:sp3d>
-            <a:bevelT w="190500" h="38100"/>
-          </a:sp3d>
-        </p:spPr>
-        <p:txBody>
-          <a:bodyPr>
-            <a:noAutofit/>
-          </a:bodyPr>
-          <a:lstStyle/>
-          <a:p>
-            <a:pPr algn="l"/>
-            <a:r>
-              <a:rPr lang="pt-BR" sz="4800" dirty="0">
-                <a:solidFill>
-                  <a:schemeClr val="bg1"/>
-                </a:solidFill>
-                <a:latin typeface="Arial" panose="020B0604020202020204" pitchFamily="34" charset="0"/>
-                <a:cs typeface="Arial" panose="020B0604020202020204" pitchFamily="34" charset="0"/>
-              </a:rPr>
-              <a:t>Função Esquerda:</a:t>
-            </a:r>
-            <a:endParaRPr lang="pt-BR" sz="6000" dirty="0">
-              <a:solidFill>
-                <a:schemeClr val="bg1"/>
-              </a:solidFill>
-              <a:latin typeface="Arial" panose="020B0604020202020204" pitchFamily="34" charset="0"/>
-              <a:cs typeface="Arial" panose="020B0604020202020204" pitchFamily="34" charset="0"/>
-            </a:endParaRPr>
-          </a:p>
-        </p:txBody>
-      </p:sp>
-      <p:grpSp>
-        <p:nvGrpSpPr>
-          <p:cNvPr id="3" name="Grupo 2"/>
-          <p:cNvGrpSpPr/>
-          <p:nvPr/>
-        </p:nvGrpSpPr>
-        <p:grpSpPr>
-          <a:xfrm>
-            <a:off x="9009915" y="332447"/>
-            <a:ext cx="3182085" cy="978406"/>
-            <a:chOff x="9009915" y="332447"/>
-            <a:chExt cx="3182085" cy="978406"/>
-          </a:xfrm>
-        </p:grpSpPr>
-        <p:pic>
-          <p:nvPicPr>
-            <p:cNvPr id="1026" name="Picture 2" descr="http://www.ccbeusorocaba.com.br/wp-content/uploads/2014/10/logo-site.png"/>
-            <p:cNvPicPr>
-              <a:picLocks noChangeAspect="1" noChangeArrowheads="1"/>
-            </p:cNvPicPr>
-            <p:nvPr/>
-          </p:nvPicPr>
-          <p:blipFill rotWithShape="1">
-            <a:blip r:embed="rId2">
-              <a:biLevel thresh="25000"/>
-              <a:extLst>
-                <a:ext uri="{28A0092B-C50C-407E-A947-70E740481C1C}">
-                  <a14:useLocalDpi xmlns:a14="http://schemas.microsoft.com/office/drawing/2010/main" val="0"/>
-                </a:ext>
-              </a:extLst>
-            </a:blip>
-            <a:srcRect b="22842"/>
-            <a:stretch/>
-          </p:blipFill>
-          <p:spPr bwMode="auto">
-            <a:xfrm>
-              <a:off x="9009915" y="332447"/>
-              <a:ext cx="3177322" cy="753404"/>
-            </a:xfrm>
-            <a:prstGeom prst="rect">
-              <a:avLst/>
-            </a:prstGeom>
-            <a:noFill/>
-            <a:effectLst/>
-            <a:extLst>
-              <a:ext uri="{909E8E84-426E-40DD-AFC4-6F175D3DCCD1}">
-                <a14:hiddenFill xmlns:a14="http://schemas.microsoft.com/office/drawing/2010/main">
-                  <a:solidFill>
-                    <a:srgbClr val="FFFFFF"/>
-                  </a:solidFill>
-                </a14:hiddenFill>
-              </a:ext>
-            </a:extLst>
-          </p:spPr>
-        </p:pic>
-        <p:pic>
-          <p:nvPicPr>
-            <p:cNvPr id="8" name="Picture 2" descr="http://www.ccbeusorocaba.com.br/wp-content/uploads/2014/10/logo-site.png"/>
-            <p:cNvPicPr>
-              <a:picLocks noChangeAspect="1" noChangeArrowheads="1"/>
-            </p:cNvPicPr>
-            <p:nvPr/>
-          </p:nvPicPr>
-          <p:blipFill rotWithShape="1">
-            <a:blip r:embed="rId3">
-              <a:biLevel thresh="25000"/>
-              <a:extLst>
-                <a:ext uri="{BEBA8EAE-BF5A-486C-A8C5-ECC9F3942E4B}">
-                  <a14:imgProps xmlns:a14="http://schemas.microsoft.com/office/drawing/2010/main">
-                    <a14:imgLayer r:embed="rId4">
-                      <a14:imgEffect>
-                        <a14:brightnessContrast bright="20000" contrast="-40000"/>
-                      </a14:imgEffect>
-                    </a14:imgLayer>
-                  </a14:imgProps>
-                </a:ext>
-                <a:ext uri="{28A0092B-C50C-407E-A947-70E740481C1C}">
-                  <a14:useLocalDpi xmlns:a14="http://schemas.microsoft.com/office/drawing/2010/main" val="0"/>
-                </a:ext>
-              </a:extLst>
-            </a:blip>
-            <a:srcRect t="76760"/>
-            <a:stretch/>
-          </p:blipFill>
-          <p:spPr bwMode="auto">
-            <a:xfrm>
-              <a:off x="9014678" y="1083922"/>
-              <a:ext cx="3177322" cy="226931"/>
-            </a:xfrm>
-            <a:prstGeom prst="rect">
-              <a:avLst/>
-            </a:prstGeom>
-            <a:noFill/>
-            <a:effectLst/>
-            <a:extLst>
-              <a:ext uri="{909E8E84-426E-40DD-AFC4-6F175D3DCCD1}">
-                <a14:hiddenFill xmlns:a14="http://schemas.microsoft.com/office/drawing/2010/main">
-                  <a:solidFill>
-                    <a:srgbClr val="FFFFFF"/>
-                  </a:solidFill>
-                </a14:hiddenFill>
-              </a:ext>
-            </a:extLst>
-          </p:spPr>
-        </p:pic>
-      </p:grpSp>
-      <p:grpSp>
-        <p:nvGrpSpPr>
-          <p:cNvPr id="7" name="Agrupar 6"/>
-          <p:cNvGrpSpPr/>
-          <p:nvPr/>
-        </p:nvGrpSpPr>
-        <p:grpSpPr>
-          <a:xfrm>
-            <a:off x="387555" y="1833677"/>
-            <a:ext cx="10343854" cy="3502071"/>
-            <a:chOff x="387555" y="1833677"/>
-            <a:chExt cx="10343854" cy="3502071"/>
-          </a:xfrm>
-        </p:grpSpPr>
-        <p:pic>
-          <p:nvPicPr>
-            <p:cNvPr id="5" name="Imagem 4" descr="Recorte de Tela"/>
-            <p:cNvPicPr>
-              <a:picLocks noChangeAspect="1"/>
-            </p:cNvPicPr>
-            <p:nvPr/>
-          </p:nvPicPr>
-          <p:blipFill rotWithShape="1">
-            <a:blip r:embed="rId5">
-              <a:extLst>
-                <a:ext uri="{28A0092B-C50C-407E-A947-70E740481C1C}">
-                  <a14:useLocalDpi xmlns:a14="http://schemas.microsoft.com/office/drawing/2010/main" val="0"/>
-                </a:ext>
-              </a:extLst>
-            </a:blip>
-            <a:srcRect b="68118"/>
-            <a:stretch/>
-          </p:blipFill>
-          <p:spPr>
-            <a:xfrm>
-              <a:off x="387555" y="1833677"/>
-              <a:ext cx="10191454" cy="1204945"/>
-            </a:xfrm>
-            <a:prstGeom prst="rect">
-              <a:avLst/>
-            </a:prstGeom>
-          </p:spPr>
-        </p:pic>
-        <p:pic>
-          <p:nvPicPr>
-            <p:cNvPr id="12" name="Imagem 11" descr="Recorte de Tela"/>
-            <p:cNvPicPr>
-              <a:picLocks noChangeAspect="1"/>
-            </p:cNvPicPr>
-            <p:nvPr/>
-          </p:nvPicPr>
-          <p:blipFill rotWithShape="1">
-            <a:blip r:embed="rId5">
-              <a:extLst>
-                <a:ext uri="{28A0092B-C50C-407E-A947-70E740481C1C}">
-                  <a14:useLocalDpi xmlns:a14="http://schemas.microsoft.com/office/drawing/2010/main" val="0"/>
-                </a:ext>
-              </a:extLst>
-            </a:blip>
-            <a:srcRect t="48695"/>
-            <a:stretch/>
-          </p:blipFill>
-          <p:spPr>
-            <a:xfrm>
-              <a:off x="539955" y="3396752"/>
-              <a:ext cx="10191454" cy="1938996"/>
-            </a:xfrm>
-            <a:prstGeom prst="rect">
-              <a:avLst/>
-            </a:prstGeom>
-          </p:spPr>
-        </p:pic>
-      </p:grpSp>
-    </p:spTree>
-    <p:extLst>
-      <p:ext uri="{BB962C8B-B14F-4D97-AF65-F5344CB8AC3E}">
-        <p14:creationId xmlns:p14="http://schemas.microsoft.com/office/powerpoint/2010/main" val="2708638186"/>
-      </p:ext>
-    </p:extLst>
-  </p:cSld>
-  <p:clrMapOvr>
-    <a:masterClrMapping/>
-  </p:clrMapOvr>
-  <mc:AlternateContent xmlns:mc="http://schemas.openxmlformats.org/markup-compatibility/2006" xmlns:p159="http://schemas.microsoft.com/office/powerpoint/2015/09/main">
-    <mc:Choice Requires="p159">
-      <p:transition xmlns:p14="http://schemas.microsoft.com/office/powerpoint/2010/main" spd="slow" p14:dur="2000">
-        <p159:morph option="byObject"/>
-      </p:transition>
-    </mc:Choice>
-    <mc:Fallback xmlns="">
-      <p:transition spd="slow">
-        <p:fade/>
-      </p:transition>
-    </mc:Fallback>
-  </mc:AlternateContent>
-</p:sld>
-</file>
-
-<file path=ppt/slides/slide5.xml><?xml version="1.0" encoding="utf-8"?>
-<p:sld xmlns:a="http://schemas.openxmlformats.org/drawingml/2006/main" xmlns:r="http://schemas.openxmlformats.org/officeDocument/2006/relationships" xmlns:p="http://schemas.openxmlformats.org/presentationml/2006/main">
-  <p:cSld>
-    <p:spTree>
-      <p:nvGrpSpPr>
-        <p:cNvPr id="1" name=""/>
-        <p:cNvGrpSpPr/>
-        <p:nvPr/>
-      </p:nvGrpSpPr>
-      <p:grpSpPr>
-        <a:xfrm>
-          <a:off x="0" y="0"/>
-          <a:ext cx="0" cy="0"/>
-          <a:chOff x="0" y="0"/>
-          <a:chExt cx="0" cy="0"/>
-        </a:xfrm>
-      </p:grpSpPr>
-      <p:sp>
-        <p:nvSpPr>
-          <p:cNvPr id="6" name="Retângulo 5"/>
-          <p:cNvSpPr/>
-          <p:nvPr/>
-        </p:nvSpPr>
-        <p:spPr>
-          <a:xfrm flipH="1">
-            <a:off x="-4763" y="165794"/>
-            <a:ext cx="12192000" cy="1309753"/>
-          </a:xfrm>
-          <a:prstGeom prst="rect">
-            <a:avLst/>
-          </a:prstGeom>
-          <a:solidFill>
-            <a:srgbClr val="DC474B"/>
-          </a:solidFill>
-          <a:ln>
-            <a:noFill/>
-          </a:ln>
-          <a:effectLst>
-            <a:glow>
-              <a:schemeClr val="accent1"/>
-            </a:glow>
-          </a:effectLst>
-        </p:spPr>
-        <p:style>
-          <a:lnRef idx="2">
-            <a:schemeClr val="accent1">
-              <a:shade val="50000"/>
-            </a:schemeClr>
-          </a:lnRef>
-          <a:fillRef idx="1">
-            <a:schemeClr val="accent1"/>
-          </a:fillRef>
-          <a:effectRef idx="0">
-            <a:schemeClr val="accent1"/>
-          </a:effectRef>
-          <a:fontRef idx="minor">
-            <a:schemeClr val="lt1"/>
-          </a:fontRef>
-        </p:style>
-        <p:txBody>
-          <a:bodyPr rtlCol="0" anchor="ctr"/>
-          <a:lstStyle/>
-          <a:p>
-            <a:pPr algn="ctr"/>
-            <a:endParaRPr lang="pt-BR"/>
-          </a:p>
-        </p:txBody>
-      </p:sp>
-      <p:sp>
-        <p:nvSpPr>
-          <p:cNvPr id="2" name="Título 1"/>
-          <p:cNvSpPr>
-            <a:spLocks noGrp="1"/>
-          </p:cNvSpPr>
-          <p:nvPr>
-            <p:ph type="ctrTitle"/>
-          </p:nvPr>
-        </p:nvSpPr>
-        <p:spPr>
-          <a:xfrm>
-            <a:off x="-4764" y="80449"/>
-            <a:ext cx="9205035" cy="1223237"/>
-          </a:xfrm>
-          <a:ln>
-            <a:noFill/>
-          </a:ln>
-          <a:effectLst>
-            <a:outerShdw blurRad="44450" dist="27940" dir="5400000" algn="ctr">
-              <a:schemeClr val="tx1">
-                <a:alpha val="32000"/>
-              </a:schemeClr>
-            </a:outerShdw>
-          </a:effectLst>
-          <a:scene3d>
-            <a:camera prst="orthographicFront">
-              <a:rot lat="0" lon="0" rev="0"/>
-            </a:camera>
-            <a:lightRig rig="balanced" dir="t">
-              <a:rot lat="0" lon="0" rev="8700000"/>
-            </a:lightRig>
-          </a:scene3d>
-          <a:sp3d>
-            <a:bevelT w="190500" h="38100"/>
-          </a:sp3d>
-        </p:spPr>
-        <p:txBody>
-          <a:bodyPr>
-            <a:noAutofit/>
-          </a:bodyPr>
-          <a:lstStyle/>
-          <a:p>
-            <a:pPr algn="l"/>
-            <a:r>
-              <a:rPr lang="pt-BR" sz="4800" dirty="0">
-                <a:solidFill>
-                  <a:schemeClr val="bg1"/>
-                </a:solidFill>
-                <a:latin typeface="Arial" panose="020B0604020202020204" pitchFamily="34" charset="0"/>
-                <a:cs typeface="Arial" panose="020B0604020202020204" pitchFamily="34" charset="0"/>
-              </a:rPr>
-              <a:t>Função Extrair Texto(</a:t>
-            </a:r>
-            <a:r>
-              <a:rPr lang="pt-BR" sz="4800" dirty="0" err="1">
-                <a:solidFill>
-                  <a:schemeClr val="bg1"/>
-                </a:solidFill>
-                <a:latin typeface="Arial" panose="020B0604020202020204" pitchFamily="34" charset="0"/>
-                <a:cs typeface="Arial" panose="020B0604020202020204" pitchFamily="34" charset="0"/>
-              </a:rPr>
-              <a:t>ext.texto</a:t>
-            </a:r>
-            <a:r>
-              <a:rPr lang="pt-BR" sz="4800" dirty="0">
-                <a:solidFill>
-                  <a:schemeClr val="bg1"/>
-                </a:solidFill>
-                <a:latin typeface="Arial" panose="020B0604020202020204" pitchFamily="34" charset="0"/>
-                <a:cs typeface="Arial" panose="020B0604020202020204" pitchFamily="34" charset="0"/>
-              </a:rPr>
-              <a:t>)</a:t>
-            </a:r>
-            <a:r>
-              <a:rPr lang="pt-BR" sz="6000" dirty="0">
-                <a:solidFill>
-                  <a:schemeClr val="bg1"/>
-                </a:solidFill>
-                <a:latin typeface="Arial" panose="020B0604020202020204" pitchFamily="34" charset="0"/>
-                <a:cs typeface="Arial" panose="020B0604020202020204" pitchFamily="34" charset="0"/>
-              </a:rPr>
-              <a:t>:</a:t>
-            </a:r>
-          </a:p>
-        </p:txBody>
-      </p:sp>
-      <p:grpSp>
-        <p:nvGrpSpPr>
-          <p:cNvPr id="3" name="Grupo 2"/>
-          <p:cNvGrpSpPr/>
-          <p:nvPr/>
-        </p:nvGrpSpPr>
-        <p:grpSpPr>
-          <a:xfrm>
-            <a:off x="9009915" y="332447"/>
-            <a:ext cx="3182085" cy="978406"/>
-            <a:chOff x="9009915" y="332447"/>
-            <a:chExt cx="3182085" cy="978406"/>
-          </a:xfrm>
-        </p:grpSpPr>
-        <p:pic>
-          <p:nvPicPr>
-            <p:cNvPr id="1026" name="Picture 2" descr="http://www.ccbeusorocaba.com.br/wp-content/uploads/2014/10/logo-site.png"/>
-            <p:cNvPicPr>
-              <a:picLocks noChangeAspect="1" noChangeArrowheads="1"/>
-            </p:cNvPicPr>
-            <p:nvPr/>
-          </p:nvPicPr>
-          <p:blipFill rotWithShape="1">
-            <a:blip r:embed="rId2">
-              <a:biLevel thresh="25000"/>
-              <a:extLst>
-                <a:ext uri="{28A0092B-C50C-407E-A947-70E740481C1C}">
-                  <a14:useLocalDpi xmlns:a14="http://schemas.microsoft.com/office/drawing/2010/main" val="0"/>
-                </a:ext>
-              </a:extLst>
-            </a:blip>
-            <a:srcRect b="22842"/>
-            <a:stretch/>
-          </p:blipFill>
-          <p:spPr bwMode="auto">
-            <a:xfrm>
-              <a:off x="9009915" y="332447"/>
-              <a:ext cx="3177322" cy="753404"/>
-            </a:xfrm>
-            <a:prstGeom prst="rect">
-              <a:avLst/>
-            </a:prstGeom>
-            <a:noFill/>
-            <a:effectLst/>
-            <a:extLst>
-              <a:ext uri="{909E8E84-426E-40DD-AFC4-6F175D3DCCD1}">
-                <a14:hiddenFill xmlns:a14="http://schemas.microsoft.com/office/drawing/2010/main">
-                  <a:solidFill>
-                    <a:srgbClr val="FFFFFF"/>
-                  </a:solidFill>
-                </a14:hiddenFill>
-              </a:ext>
-            </a:extLst>
-          </p:spPr>
-        </p:pic>
-        <p:pic>
-          <p:nvPicPr>
-            <p:cNvPr id="8" name="Picture 2" descr="http://www.ccbeusorocaba.com.br/wp-content/uploads/2014/10/logo-site.png"/>
-            <p:cNvPicPr>
-              <a:picLocks noChangeAspect="1" noChangeArrowheads="1"/>
-            </p:cNvPicPr>
-            <p:nvPr/>
-          </p:nvPicPr>
-          <p:blipFill rotWithShape="1">
-            <a:blip r:embed="rId3">
-              <a:biLevel thresh="25000"/>
-              <a:extLst>
-                <a:ext uri="{BEBA8EAE-BF5A-486C-A8C5-ECC9F3942E4B}">
-                  <a14:imgProps xmlns:a14="http://schemas.microsoft.com/office/drawing/2010/main">
-                    <a14:imgLayer r:embed="rId4">
-                      <a14:imgEffect>
-                        <a14:brightnessContrast bright="20000" contrast="-40000"/>
-                      </a14:imgEffect>
-                    </a14:imgLayer>
-                  </a14:imgProps>
-                </a:ext>
-                <a:ext uri="{28A0092B-C50C-407E-A947-70E740481C1C}">
-                  <a14:useLocalDpi xmlns:a14="http://schemas.microsoft.com/office/drawing/2010/main" val="0"/>
-                </a:ext>
-              </a:extLst>
-            </a:blip>
-            <a:srcRect t="76760"/>
-            <a:stretch/>
-          </p:blipFill>
-          <p:spPr bwMode="auto">
-            <a:xfrm>
-              <a:off x="9014678" y="1083922"/>
-              <a:ext cx="3177322" cy="226931"/>
-            </a:xfrm>
-            <a:prstGeom prst="rect">
-              <a:avLst/>
-            </a:prstGeom>
-            <a:noFill/>
-            <a:effectLst/>
-            <a:extLst>
-              <a:ext uri="{909E8E84-426E-40DD-AFC4-6F175D3DCCD1}">
-                <a14:hiddenFill xmlns:a14="http://schemas.microsoft.com/office/drawing/2010/main">
-                  <a:solidFill>
-                    <a:srgbClr val="FFFFFF"/>
-                  </a:solidFill>
-                </a14:hiddenFill>
-              </a:ext>
-            </a:extLst>
-          </p:spPr>
-        </p:pic>
-      </p:grpSp>
-      <p:grpSp>
-        <p:nvGrpSpPr>
-          <p:cNvPr id="14" name="Agrupar 13"/>
-          <p:cNvGrpSpPr/>
-          <p:nvPr/>
-        </p:nvGrpSpPr>
-        <p:grpSpPr>
-          <a:xfrm>
-            <a:off x="387555" y="2055161"/>
-            <a:ext cx="11098454" cy="3381875"/>
-            <a:chOff x="922127" y="1907577"/>
-            <a:chExt cx="7878274" cy="2400635"/>
-          </a:xfrm>
-        </p:grpSpPr>
-        <p:pic>
-          <p:nvPicPr>
-            <p:cNvPr id="11" name="Imagem 10" descr="Recorte de Tela"/>
-            <p:cNvPicPr>
-              <a:picLocks noChangeAspect="1"/>
-            </p:cNvPicPr>
-            <p:nvPr/>
-          </p:nvPicPr>
-          <p:blipFill>
-            <a:blip r:embed="rId5">
-              <a:extLst>
-                <a:ext uri="{28A0092B-C50C-407E-A947-70E740481C1C}">
-                  <a14:useLocalDpi xmlns:a14="http://schemas.microsoft.com/office/drawing/2010/main" val="0"/>
-                </a:ext>
-              </a:extLst>
-            </a:blip>
-            <a:stretch>
-              <a:fillRect/>
-            </a:stretch>
-          </p:blipFill>
-          <p:spPr>
-            <a:xfrm>
-              <a:off x="922127" y="1907577"/>
-              <a:ext cx="6858957" cy="876422"/>
-            </a:xfrm>
-            <a:prstGeom prst="rect">
-              <a:avLst/>
-            </a:prstGeom>
-          </p:spPr>
-        </p:pic>
-        <p:pic>
-          <p:nvPicPr>
-            <p:cNvPr id="13" name="Imagem 12" descr="Recorte de Tela"/>
-            <p:cNvPicPr>
-              <a:picLocks noChangeAspect="1"/>
-            </p:cNvPicPr>
-            <p:nvPr/>
-          </p:nvPicPr>
-          <p:blipFill>
-            <a:blip r:embed="rId6">
-              <a:extLst>
-                <a:ext uri="{28A0092B-C50C-407E-A947-70E740481C1C}">
-                  <a14:useLocalDpi xmlns:a14="http://schemas.microsoft.com/office/drawing/2010/main" val="0"/>
-                </a:ext>
-              </a:extLst>
-            </a:blip>
-            <a:stretch>
-              <a:fillRect/>
-            </a:stretch>
-          </p:blipFill>
-          <p:spPr>
-            <a:xfrm>
-              <a:off x="922127" y="2783999"/>
-              <a:ext cx="7878274" cy="1524213"/>
-            </a:xfrm>
-            <a:prstGeom prst="rect">
-              <a:avLst/>
-            </a:prstGeom>
-          </p:spPr>
-        </p:pic>
-      </p:grpSp>
-    </p:spTree>
-    <p:extLst>
-      <p:ext uri="{BB962C8B-B14F-4D97-AF65-F5344CB8AC3E}">
-        <p14:creationId xmlns:p14="http://schemas.microsoft.com/office/powerpoint/2010/main" val="3528923991"/>
-      </p:ext>
-    </p:extLst>
-  </p:cSld>
-  <p:clrMapOvr>
-    <a:masterClrMapping/>
-  </p:clrMapOvr>
-  <mc:AlternateContent xmlns:mc="http://schemas.openxmlformats.org/markup-compatibility/2006" xmlns:p159="http://schemas.microsoft.com/office/powerpoint/2015/09/main">
-    <mc:Choice Requires="p159">
-      <p:transition xmlns:p14="http://schemas.microsoft.com/office/powerpoint/2010/main" spd="slow" p14:dur="2000">
-        <p159:morph option="byObject"/>
-      </p:transition>
-    </mc:Choice>
-    <mc:Fallback xmlns="">
-      <p:transition spd="slow">
-        <p:fade/>
-      </p:transition>
-    </mc:Fallback>
-  </mc:AlternateContent>
-</p:sld>
-</file>
-
-<file path=ppt/slides/slide6.xml><?xml version="1.0" encoding="utf-8"?>
 <p:sld xmlns:a="http://schemas.openxmlformats.org/drawingml/2006/main" xmlns:r="http://schemas.openxmlformats.org/officeDocument/2006/relationships" xmlns:p="http://schemas.openxmlformats.org/presentationml/2006/main">
   <p:cSld>
     <p:spTree>
@@ -6031,7 +5299,7 @@
 </p:sld>
 </file>
 
-<file path=ppt/slides/slide7.xml><?xml version="1.0" encoding="utf-8"?>
+<file path=ppt/slides/slide4.xml><?xml version="1.0" encoding="utf-8"?>
 <p:sld xmlns:a="http://schemas.openxmlformats.org/drawingml/2006/main" xmlns:r="http://schemas.openxmlformats.org/officeDocument/2006/relationships" xmlns:p="http://schemas.openxmlformats.org/presentationml/2006/main">
   <p:cSld>
     <p:spTree>
@@ -7794,7 +7062,7 @@
 </p:sld>
 </file>
 
-<file path=ppt/slides/slide8.xml><?xml version="1.0" encoding="utf-8"?>
+<file path=ppt/slides/slide5.xml><?xml version="1.0" encoding="utf-8"?>
 <p:sld xmlns:a="http://schemas.openxmlformats.org/drawingml/2006/main" xmlns:r="http://schemas.openxmlformats.org/officeDocument/2006/relationships" xmlns:p="http://schemas.openxmlformats.org/presentationml/2006/main">
   <p:cSld>
     <p:spTree>
@@ -8223,6 +7491,1344 @@
       </p:par>
     </p:tnLst>
   </p:timing>
+</p:sld>
+</file>
+
+<file path=ppt/slides/slide6.xml><?xml version="1.0" encoding="utf-8"?>
+<p:sld xmlns:a="http://schemas.openxmlformats.org/drawingml/2006/main" xmlns:r="http://schemas.openxmlformats.org/officeDocument/2006/relationships" xmlns:p="http://schemas.openxmlformats.org/presentationml/2006/main">
+  <p:cSld>
+    <p:spTree>
+      <p:nvGrpSpPr>
+        <p:cNvPr id="1" name=""/>
+        <p:cNvGrpSpPr/>
+        <p:nvPr/>
+      </p:nvGrpSpPr>
+      <p:grpSpPr>
+        <a:xfrm>
+          <a:off x="0" y="0"/>
+          <a:ext cx="0" cy="0"/>
+          <a:chOff x="0" y="0"/>
+          <a:chExt cx="0" cy="0"/>
+        </a:xfrm>
+      </p:grpSpPr>
+      <p:sp>
+        <p:nvSpPr>
+          <p:cNvPr id="6" name="Retângulo 5"/>
+          <p:cNvSpPr/>
+          <p:nvPr/>
+        </p:nvSpPr>
+        <p:spPr>
+          <a:xfrm flipH="1">
+            <a:off x="-4763" y="165794"/>
+            <a:ext cx="12192000" cy="1309753"/>
+          </a:xfrm>
+          <a:prstGeom prst="rect">
+            <a:avLst/>
+          </a:prstGeom>
+          <a:solidFill>
+            <a:srgbClr val="DC474B"/>
+          </a:solidFill>
+          <a:ln>
+            <a:noFill/>
+          </a:ln>
+          <a:effectLst>
+            <a:glow>
+              <a:schemeClr val="accent1"/>
+            </a:glow>
+          </a:effectLst>
+        </p:spPr>
+        <p:style>
+          <a:lnRef idx="2">
+            <a:schemeClr val="accent1">
+              <a:shade val="50000"/>
+            </a:schemeClr>
+          </a:lnRef>
+          <a:fillRef idx="1">
+            <a:schemeClr val="accent1"/>
+          </a:fillRef>
+          <a:effectRef idx="0">
+            <a:schemeClr val="accent1"/>
+          </a:effectRef>
+          <a:fontRef idx="minor">
+            <a:schemeClr val="lt1"/>
+          </a:fontRef>
+        </p:style>
+        <p:txBody>
+          <a:bodyPr rtlCol="0" anchor="ctr"/>
+          <a:lstStyle/>
+          <a:p>
+            <a:pPr algn="ctr"/>
+            <a:endParaRPr lang="pt-BR"/>
+          </a:p>
+        </p:txBody>
+      </p:sp>
+      <p:sp>
+        <p:nvSpPr>
+          <p:cNvPr id="2" name="Título 1"/>
+          <p:cNvSpPr>
+            <a:spLocks noGrp="1"/>
+          </p:cNvSpPr>
+          <p:nvPr>
+            <p:ph type="ctrTitle"/>
+          </p:nvPr>
+        </p:nvSpPr>
+        <p:spPr>
+          <a:xfrm>
+            <a:off x="-4764" y="80449"/>
+            <a:ext cx="9205035" cy="1223237"/>
+          </a:xfrm>
+          <a:ln>
+            <a:noFill/>
+          </a:ln>
+          <a:effectLst>
+            <a:outerShdw blurRad="44450" dist="27940" dir="5400000" algn="ctr">
+              <a:schemeClr val="tx1">
+                <a:alpha val="32000"/>
+              </a:schemeClr>
+            </a:outerShdw>
+          </a:effectLst>
+          <a:scene3d>
+            <a:camera prst="orthographicFront">
+              <a:rot lat="0" lon="0" rev="0"/>
+            </a:camera>
+            <a:lightRig rig="balanced" dir="t">
+              <a:rot lat="0" lon="0" rev="8700000"/>
+            </a:lightRig>
+          </a:scene3d>
+          <a:sp3d>
+            <a:bevelT w="190500" h="38100"/>
+          </a:sp3d>
+        </p:spPr>
+        <p:txBody>
+          <a:bodyPr>
+            <a:noAutofit/>
+          </a:bodyPr>
+          <a:lstStyle/>
+          <a:p>
+            <a:pPr algn="l"/>
+            <a:r>
+              <a:rPr lang="pt-BR" sz="4800" dirty="0">
+                <a:solidFill>
+                  <a:schemeClr val="bg1"/>
+                </a:solidFill>
+                <a:latin typeface="Arial" panose="020B0604020202020204" pitchFamily="34" charset="0"/>
+                <a:cs typeface="Arial" panose="020B0604020202020204" pitchFamily="34" charset="0"/>
+              </a:rPr>
+              <a:t>Função Direita</a:t>
+            </a:r>
+            <a:r>
+              <a:rPr lang="pt-BR" sz="6000" dirty="0">
+                <a:solidFill>
+                  <a:schemeClr val="bg1"/>
+                </a:solidFill>
+                <a:latin typeface="Arial" panose="020B0604020202020204" pitchFamily="34" charset="0"/>
+                <a:cs typeface="Arial" panose="020B0604020202020204" pitchFamily="34" charset="0"/>
+              </a:rPr>
+              <a:t>:</a:t>
+            </a:r>
+          </a:p>
+        </p:txBody>
+      </p:sp>
+      <p:grpSp>
+        <p:nvGrpSpPr>
+          <p:cNvPr id="3" name="Grupo 2"/>
+          <p:cNvGrpSpPr/>
+          <p:nvPr/>
+        </p:nvGrpSpPr>
+        <p:grpSpPr>
+          <a:xfrm>
+            <a:off x="9009915" y="332447"/>
+            <a:ext cx="3182085" cy="978406"/>
+            <a:chOff x="9009915" y="332447"/>
+            <a:chExt cx="3182085" cy="978406"/>
+          </a:xfrm>
+        </p:grpSpPr>
+        <p:pic>
+          <p:nvPicPr>
+            <p:cNvPr id="1026" name="Picture 2" descr="http://www.ccbeusorocaba.com.br/wp-content/uploads/2014/10/logo-site.png"/>
+            <p:cNvPicPr>
+              <a:picLocks noChangeAspect="1" noChangeArrowheads="1"/>
+            </p:cNvPicPr>
+            <p:nvPr/>
+          </p:nvPicPr>
+          <p:blipFill rotWithShape="1">
+            <a:blip r:embed="rId2">
+              <a:biLevel thresh="25000"/>
+              <a:extLst>
+                <a:ext uri="{28A0092B-C50C-407E-A947-70E740481C1C}">
+                  <a14:useLocalDpi xmlns:a14="http://schemas.microsoft.com/office/drawing/2010/main" val="0"/>
+                </a:ext>
+              </a:extLst>
+            </a:blip>
+            <a:srcRect b="22842"/>
+            <a:stretch/>
+          </p:blipFill>
+          <p:spPr bwMode="auto">
+            <a:xfrm>
+              <a:off x="9009915" y="332447"/>
+              <a:ext cx="3177322" cy="753404"/>
+            </a:xfrm>
+            <a:prstGeom prst="rect">
+              <a:avLst/>
+            </a:prstGeom>
+            <a:noFill/>
+            <a:effectLst/>
+            <a:extLst>
+              <a:ext uri="{909E8E84-426E-40DD-AFC4-6F175D3DCCD1}">
+                <a14:hiddenFill xmlns:a14="http://schemas.microsoft.com/office/drawing/2010/main">
+                  <a:solidFill>
+                    <a:srgbClr val="FFFFFF"/>
+                  </a:solidFill>
+                </a14:hiddenFill>
+              </a:ext>
+            </a:extLst>
+          </p:spPr>
+        </p:pic>
+        <p:pic>
+          <p:nvPicPr>
+            <p:cNvPr id="8" name="Picture 2" descr="http://www.ccbeusorocaba.com.br/wp-content/uploads/2014/10/logo-site.png"/>
+            <p:cNvPicPr>
+              <a:picLocks noChangeAspect="1" noChangeArrowheads="1"/>
+            </p:cNvPicPr>
+            <p:nvPr/>
+          </p:nvPicPr>
+          <p:blipFill rotWithShape="1">
+            <a:blip r:embed="rId3">
+              <a:biLevel thresh="25000"/>
+              <a:extLst>
+                <a:ext uri="{BEBA8EAE-BF5A-486C-A8C5-ECC9F3942E4B}">
+                  <a14:imgProps xmlns:a14="http://schemas.microsoft.com/office/drawing/2010/main">
+                    <a14:imgLayer r:embed="rId4">
+                      <a14:imgEffect>
+                        <a14:brightnessContrast bright="20000" contrast="-40000"/>
+                      </a14:imgEffect>
+                    </a14:imgLayer>
+                  </a14:imgProps>
+                </a:ext>
+                <a:ext uri="{28A0092B-C50C-407E-A947-70E740481C1C}">
+                  <a14:useLocalDpi xmlns:a14="http://schemas.microsoft.com/office/drawing/2010/main" val="0"/>
+                </a:ext>
+              </a:extLst>
+            </a:blip>
+            <a:srcRect t="76760"/>
+            <a:stretch/>
+          </p:blipFill>
+          <p:spPr bwMode="auto">
+            <a:xfrm>
+              <a:off x="9014678" y="1083922"/>
+              <a:ext cx="3177322" cy="226931"/>
+            </a:xfrm>
+            <a:prstGeom prst="rect">
+              <a:avLst/>
+            </a:prstGeom>
+            <a:noFill/>
+            <a:effectLst/>
+            <a:extLst>
+              <a:ext uri="{909E8E84-426E-40DD-AFC4-6F175D3DCCD1}">
+                <a14:hiddenFill xmlns:a14="http://schemas.microsoft.com/office/drawing/2010/main">
+                  <a:solidFill>
+                    <a:srgbClr val="FFFFFF"/>
+                  </a:solidFill>
+                </a14:hiddenFill>
+              </a:ext>
+            </a:extLst>
+          </p:spPr>
+        </p:pic>
+      </p:grpSp>
+      <p:grpSp>
+        <p:nvGrpSpPr>
+          <p:cNvPr id="10" name="Agrupar 9"/>
+          <p:cNvGrpSpPr/>
+          <p:nvPr/>
+        </p:nvGrpSpPr>
+        <p:grpSpPr>
+          <a:xfrm>
+            <a:off x="154671" y="1642200"/>
+            <a:ext cx="11788726" cy="3283314"/>
+            <a:chOff x="822473" y="1642200"/>
+            <a:chExt cx="10886876" cy="2702372"/>
+          </a:xfrm>
+        </p:grpSpPr>
+        <p:pic>
+          <p:nvPicPr>
+            <p:cNvPr id="7" name="Imagem 6" descr="Recorte de Tela"/>
+            <p:cNvPicPr>
+              <a:picLocks noChangeAspect="1"/>
+            </p:cNvPicPr>
+            <p:nvPr/>
+          </p:nvPicPr>
+          <p:blipFill rotWithShape="1">
+            <a:blip r:embed="rId5">
+              <a:extLst>
+                <a:ext uri="{28A0092B-C50C-407E-A947-70E740481C1C}">
+                  <a14:useLocalDpi xmlns:a14="http://schemas.microsoft.com/office/drawing/2010/main" val="0"/>
+                </a:ext>
+              </a:extLst>
+            </a:blip>
+            <a:srcRect b="62603"/>
+            <a:stretch/>
+          </p:blipFill>
+          <p:spPr>
+            <a:xfrm>
+              <a:off x="822473" y="1642200"/>
+              <a:ext cx="10537528" cy="1382354"/>
+            </a:xfrm>
+            <a:prstGeom prst="rect">
+              <a:avLst/>
+            </a:prstGeom>
+          </p:spPr>
+        </p:pic>
+        <p:pic>
+          <p:nvPicPr>
+            <p:cNvPr id="15" name="Imagem 14" descr="Recorte de Tela"/>
+            <p:cNvPicPr>
+              <a:picLocks noChangeAspect="1"/>
+            </p:cNvPicPr>
+            <p:nvPr/>
+          </p:nvPicPr>
+          <p:blipFill rotWithShape="1">
+            <a:blip r:embed="rId5">
+              <a:extLst>
+                <a:ext uri="{28A0092B-C50C-407E-A947-70E740481C1C}">
+                  <a14:useLocalDpi xmlns:a14="http://schemas.microsoft.com/office/drawing/2010/main" val="0"/>
+                </a:ext>
+              </a:extLst>
+            </a:blip>
+            <a:srcRect t="68798"/>
+            <a:stretch/>
+          </p:blipFill>
+          <p:spPr>
+            <a:xfrm>
+              <a:off x="1171821" y="3191207"/>
+              <a:ext cx="10537528" cy="1153365"/>
+            </a:xfrm>
+            <a:prstGeom prst="rect">
+              <a:avLst/>
+            </a:prstGeom>
+          </p:spPr>
+        </p:pic>
+      </p:grpSp>
+    </p:spTree>
+    <p:extLst>
+      <p:ext uri="{BB962C8B-B14F-4D97-AF65-F5344CB8AC3E}">
+        <p14:creationId xmlns:p14="http://schemas.microsoft.com/office/powerpoint/2010/main" val="3526192167"/>
+      </p:ext>
+    </p:extLst>
+  </p:cSld>
+  <p:clrMapOvr>
+    <a:masterClrMapping/>
+  </p:clrMapOvr>
+  <mc:AlternateContent xmlns:mc="http://schemas.openxmlformats.org/markup-compatibility/2006" xmlns:p159="http://schemas.microsoft.com/office/powerpoint/2015/09/main">
+    <mc:Choice Requires="p159">
+      <p:transition xmlns:p14="http://schemas.microsoft.com/office/powerpoint/2010/main" spd="slow" p14:dur="2000">
+        <p159:morph option="byObject"/>
+      </p:transition>
+    </mc:Choice>
+    <mc:Fallback xmlns="">
+      <p:transition spd="slow">
+        <p:fade/>
+      </p:transition>
+    </mc:Fallback>
+  </mc:AlternateContent>
+</p:sld>
+</file>
+
+<file path=ppt/slides/slide7.xml><?xml version="1.0" encoding="utf-8"?>
+<p:sld xmlns:a="http://schemas.openxmlformats.org/drawingml/2006/main" xmlns:r="http://schemas.openxmlformats.org/officeDocument/2006/relationships" xmlns:p="http://schemas.openxmlformats.org/presentationml/2006/main">
+  <p:cSld>
+    <p:spTree>
+      <p:nvGrpSpPr>
+        <p:cNvPr id="1" name=""/>
+        <p:cNvGrpSpPr/>
+        <p:nvPr/>
+      </p:nvGrpSpPr>
+      <p:grpSpPr>
+        <a:xfrm>
+          <a:off x="0" y="0"/>
+          <a:ext cx="0" cy="0"/>
+          <a:chOff x="0" y="0"/>
+          <a:chExt cx="0" cy="0"/>
+        </a:xfrm>
+      </p:grpSpPr>
+      <p:sp>
+        <p:nvSpPr>
+          <p:cNvPr id="6" name="Retângulo 5"/>
+          <p:cNvSpPr/>
+          <p:nvPr/>
+        </p:nvSpPr>
+        <p:spPr>
+          <a:xfrm flipH="1">
+            <a:off x="-4763" y="165794"/>
+            <a:ext cx="12192000" cy="1309753"/>
+          </a:xfrm>
+          <a:prstGeom prst="rect">
+            <a:avLst/>
+          </a:prstGeom>
+          <a:solidFill>
+            <a:srgbClr val="DC474B"/>
+          </a:solidFill>
+          <a:ln>
+            <a:noFill/>
+          </a:ln>
+          <a:effectLst>
+            <a:glow>
+              <a:schemeClr val="accent1"/>
+            </a:glow>
+          </a:effectLst>
+        </p:spPr>
+        <p:style>
+          <a:lnRef idx="2">
+            <a:schemeClr val="accent1">
+              <a:shade val="50000"/>
+            </a:schemeClr>
+          </a:lnRef>
+          <a:fillRef idx="1">
+            <a:schemeClr val="accent1"/>
+          </a:fillRef>
+          <a:effectRef idx="0">
+            <a:schemeClr val="accent1"/>
+          </a:effectRef>
+          <a:fontRef idx="minor">
+            <a:schemeClr val="lt1"/>
+          </a:fontRef>
+        </p:style>
+        <p:txBody>
+          <a:bodyPr rtlCol="0" anchor="ctr"/>
+          <a:lstStyle/>
+          <a:p>
+            <a:pPr algn="ctr"/>
+            <a:endParaRPr lang="pt-BR"/>
+          </a:p>
+        </p:txBody>
+      </p:sp>
+      <p:sp>
+        <p:nvSpPr>
+          <p:cNvPr id="2" name="Título 1"/>
+          <p:cNvSpPr>
+            <a:spLocks noGrp="1"/>
+          </p:cNvSpPr>
+          <p:nvPr>
+            <p:ph type="ctrTitle"/>
+          </p:nvPr>
+        </p:nvSpPr>
+        <p:spPr>
+          <a:xfrm>
+            <a:off x="-4764" y="80449"/>
+            <a:ext cx="9205035" cy="1223237"/>
+          </a:xfrm>
+          <a:ln>
+            <a:noFill/>
+          </a:ln>
+          <a:effectLst>
+            <a:outerShdw blurRad="44450" dist="27940" dir="5400000" algn="ctr">
+              <a:schemeClr val="tx1">
+                <a:alpha val="32000"/>
+              </a:schemeClr>
+            </a:outerShdw>
+          </a:effectLst>
+          <a:scene3d>
+            <a:camera prst="orthographicFront">
+              <a:rot lat="0" lon="0" rev="0"/>
+            </a:camera>
+            <a:lightRig rig="balanced" dir="t">
+              <a:rot lat="0" lon="0" rev="8700000"/>
+            </a:lightRig>
+          </a:scene3d>
+          <a:sp3d>
+            <a:bevelT w="190500" h="38100"/>
+          </a:sp3d>
+        </p:spPr>
+        <p:txBody>
+          <a:bodyPr>
+            <a:noAutofit/>
+          </a:bodyPr>
+          <a:lstStyle/>
+          <a:p>
+            <a:pPr algn="l"/>
+            <a:r>
+              <a:rPr lang="pt-BR" sz="4800" dirty="0">
+                <a:solidFill>
+                  <a:schemeClr val="bg1"/>
+                </a:solidFill>
+                <a:latin typeface="Arial" panose="020B0604020202020204" pitchFamily="34" charset="0"/>
+                <a:cs typeface="Arial" panose="020B0604020202020204" pitchFamily="34" charset="0"/>
+              </a:rPr>
+              <a:t>Função Esquerda:</a:t>
+            </a:r>
+            <a:endParaRPr lang="pt-BR" sz="6000" dirty="0">
+              <a:solidFill>
+                <a:schemeClr val="bg1"/>
+              </a:solidFill>
+              <a:latin typeface="Arial" panose="020B0604020202020204" pitchFamily="34" charset="0"/>
+              <a:cs typeface="Arial" panose="020B0604020202020204" pitchFamily="34" charset="0"/>
+            </a:endParaRPr>
+          </a:p>
+        </p:txBody>
+      </p:sp>
+      <p:grpSp>
+        <p:nvGrpSpPr>
+          <p:cNvPr id="3" name="Grupo 2"/>
+          <p:cNvGrpSpPr/>
+          <p:nvPr/>
+        </p:nvGrpSpPr>
+        <p:grpSpPr>
+          <a:xfrm>
+            <a:off x="9009915" y="332447"/>
+            <a:ext cx="3182085" cy="978406"/>
+            <a:chOff x="9009915" y="332447"/>
+            <a:chExt cx="3182085" cy="978406"/>
+          </a:xfrm>
+        </p:grpSpPr>
+        <p:pic>
+          <p:nvPicPr>
+            <p:cNvPr id="1026" name="Picture 2" descr="http://www.ccbeusorocaba.com.br/wp-content/uploads/2014/10/logo-site.png"/>
+            <p:cNvPicPr>
+              <a:picLocks noChangeAspect="1" noChangeArrowheads="1"/>
+            </p:cNvPicPr>
+            <p:nvPr/>
+          </p:nvPicPr>
+          <p:blipFill rotWithShape="1">
+            <a:blip r:embed="rId2">
+              <a:biLevel thresh="25000"/>
+              <a:extLst>
+                <a:ext uri="{28A0092B-C50C-407E-A947-70E740481C1C}">
+                  <a14:useLocalDpi xmlns:a14="http://schemas.microsoft.com/office/drawing/2010/main" val="0"/>
+                </a:ext>
+              </a:extLst>
+            </a:blip>
+            <a:srcRect b="22842"/>
+            <a:stretch/>
+          </p:blipFill>
+          <p:spPr bwMode="auto">
+            <a:xfrm>
+              <a:off x="9009915" y="332447"/>
+              <a:ext cx="3177322" cy="753404"/>
+            </a:xfrm>
+            <a:prstGeom prst="rect">
+              <a:avLst/>
+            </a:prstGeom>
+            <a:noFill/>
+            <a:effectLst/>
+            <a:extLst>
+              <a:ext uri="{909E8E84-426E-40DD-AFC4-6F175D3DCCD1}">
+                <a14:hiddenFill xmlns:a14="http://schemas.microsoft.com/office/drawing/2010/main">
+                  <a:solidFill>
+                    <a:srgbClr val="FFFFFF"/>
+                  </a:solidFill>
+                </a14:hiddenFill>
+              </a:ext>
+            </a:extLst>
+          </p:spPr>
+        </p:pic>
+        <p:pic>
+          <p:nvPicPr>
+            <p:cNvPr id="8" name="Picture 2" descr="http://www.ccbeusorocaba.com.br/wp-content/uploads/2014/10/logo-site.png"/>
+            <p:cNvPicPr>
+              <a:picLocks noChangeAspect="1" noChangeArrowheads="1"/>
+            </p:cNvPicPr>
+            <p:nvPr/>
+          </p:nvPicPr>
+          <p:blipFill rotWithShape="1">
+            <a:blip r:embed="rId3">
+              <a:biLevel thresh="25000"/>
+              <a:extLst>
+                <a:ext uri="{BEBA8EAE-BF5A-486C-A8C5-ECC9F3942E4B}">
+                  <a14:imgProps xmlns:a14="http://schemas.microsoft.com/office/drawing/2010/main">
+                    <a14:imgLayer r:embed="rId4">
+                      <a14:imgEffect>
+                        <a14:brightnessContrast bright="20000" contrast="-40000"/>
+                      </a14:imgEffect>
+                    </a14:imgLayer>
+                  </a14:imgProps>
+                </a:ext>
+                <a:ext uri="{28A0092B-C50C-407E-A947-70E740481C1C}">
+                  <a14:useLocalDpi xmlns:a14="http://schemas.microsoft.com/office/drawing/2010/main" val="0"/>
+                </a:ext>
+              </a:extLst>
+            </a:blip>
+            <a:srcRect t="76760"/>
+            <a:stretch/>
+          </p:blipFill>
+          <p:spPr bwMode="auto">
+            <a:xfrm>
+              <a:off x="9014678" y="1083922"/>
+              <a:ext cx="3177322" cy="226931"/>
+            </a:xfrm>
+            <a:prstGeom prst="rect">
+              <a:avLst/>
+            </a:prstGeom>
+            <a:noFill/>
+            <a:effectLst/>
+            <a:extLst>
+              <a:ext uri="{909E8E84-426E-40DD-AFC4-6F175D3DCCD1}">
+                <a14:hiddenFill xmlns:a14="http://schemas.microsoft.com/office/drawing/2010/main">
+                  <a:solidFill>
+                    <a:srgbClr val="FFFFFF"/>
+                  </a:solidFill>
+                </a14:hiddenFill>
+              </a:ext>
+            </a:extLst>
+          </p:spPr>
+        </p:pic>
+      </p:grpSp>
+      <p:grpSp>
+        <p:nvGrpSpPr>
+          <p:cNvPr id="7" name="Agrupar 6"/>
+          <p:cNvGrpSpPr/>
+          <p:nvPr/>
+        </p:nvGrpSpPr>
+        <p:grpSpPr>
+          <a:xfrm>
+            <a:off x="387555" y="1833677"/>
+            <a:ext cx="10343854" cy="3502071"/>
+            <a:chOff x="387555" y="1833677"/>
+            <a:chExt cx="10343854" cy="3502071"/>
+          </a:xfrm>
+        </p:grpSpPr>
+        <p:pic>
+          <p:nvPicPr>
+            <p:cNvPr id="5" name="Imagem 4" descr="Recorte de Tela"/>
+            <p:cNvPicPr>
+              <a:picLocks noChangeAspect="1"/>
+            </p:cNvPicPr>
+            <p:nvPr/>
+          </p:nvPicPr>
+          <p:blipFill rotWithShape="1">
+            <a:blip r:embed="rId5">
+              <a:extLst>
+                <a:ext uri="{28A0092B-C50C-407E-A947-70E740481C1C}">
+                  <a14:useLocalDpi xmlns:a14="http://schemas.microsoft.com/office/drawing/2010/main" val="0"/>
+                </a:ext>
+              </a:extLst>
+            </a:blip>
+            <a:srcRect b="68118"/>
+            <a:stretch/>
+          </p:blipFill>
+          <p:spPr>
+            <a:xfrm>
+              <a:off x="387555" y="1833677"/>
+              <a:ext cx="10191454" cy="1204945"/>
+            </a:xfrm>
+            <a:prstGeom prst="rect">
+              <a:avLst/>
+            </a:prstGeom>
+          </p:spPr>
+        </p:pic>
+        <p:pic>
+          <p:nvPicPr>
+            <p:cNvPr id="12" name="Imagem 11" descr="Recorte de Tela"/>
+            <p:cNvPicPr>
+              <a:picLocks noChangeAspect="1"/>
+            </p:cNvPicPr>
+            <p:nvPr/>
+          </p:nvPicPr>
+          <p:blipFill rotWithShape="1">
+            <a:blip r:embed="rId5">
+              <a:extLst>
+                <a:ext uri="{28A0092B-C50C-407E-A947-70E740481C1C}">
+                  <a14:useLocalDpi xmlns:a14="http://schemas.microsoft.com/office/drawing/2010/main" val="0"/>
+                </a:ext>
+              </a:extLst>
+            </a:blip>
+            <a:srcRect t="48695"/>
+            <a:stretch/>
+          </p:blipFill>
+          <p:spPr>
+            <a:xfrm>
+              <a:off x="539955" y="3396752"/>
+              <a:ext cx="10191454" cy="1938996"/>
+            </a:xfrm>
+            <a:prstGeom prst="rect">
+              <a:avLst/>
+            </a:prstGeom>
+          </p:spPr>
+        </p:pic>
+      </p:grpSp>
+    </p:spTree>
+    <p:extLst>
+      <p:ext uri="{BB962C8B-B14F-4D97-AF65-F5344CB8AC3E}">
+        <p14:creationId xmlns:p14="http://schemas.microsoft.com/office/powerpoint/2010/main" val="3887660103"/>
+      </p:ext>
+    </p:extLst>
+  </p:cSld>
+  <p:clrMapOvr>
+    <a:masterClrMapping/>
+  </p:clrMapOvr>
+  <mc:AlternateContent xmlns:mc="http://schemas.openxmlformats.org/markup-compatibility/2006" xmlns:p159="http://schemas.microsoft.com/office/powerpoint/2015/09/main">
+    <mc:Choice Requires="p159">
+      <p:transition xmlns:p14="http://schemas.microsoft.com/office/powerpoint/2010/main" spd="slow" p14:dur="2000">
+        <p159:morph option="byObject"/>
+      </p:transition>
+    </mc:Choice>
+    <mc:Fallback xmlns="">
+      <p:transition spd="slow">
+        <p:fade/>
+      </p:transition>
+    </mc:Fallback>
+  </mc:AlternateContent>
+</p:sld>
+</file>
+
+<file path=ppt/slides/slide8.xml><?xml version="1.0" encoding="utf-8"?>
+<p:sld xmlns:a="http://schemas.openxmlformats.org/drawingml/2006/main" xmlns:r="http://schemas.openxmlformats.org/officeDocument/2006/relationships" xmlns:p="http://schemas.openxmlformats.org/presentationml/2006/main">
+  <p:cSld>
+    <p:spTree>
+      <p:nvGrpSpPr>
+        <p:cNvPr id="1" name=""/>
+        <p:cNvGrpSpPr/>
+        <p:nvPr/>
+      </p:nvGrpSpPr>
+      <p:grpSpPr>
+        <a:xfrm>
+          <a:off x="0" y="0"/>
+          <a:ext cx="0" cy="0"/>
+          <a:chOff x="0" y="0"/>
+          <a:chExt cx="0" cy="0"/>
+        </a:xfrm>
+      </p:grpSpPr>
+      <p:sp>
+        <p:nvSpPr>
+          <p:cNvPr id="6" name="Retângulo 5"/>
+          <p:cNvSpPr/>
+          <p:nvPr/>
+        </p:nvSpPr>
+        <p:spPr>
+          <a:xfrm flipH="1">
+            <a:off x="-4763" y="165794"/>
+            <a:ext cx="12192000" cy="1309753"/>
+          </a:xfrm>
+          <a:prstGeom prst="rect">
+            <a:avLst/>
+          </a:prstGeom>
+          <a:solidFill>
+            <a:srgbClr val="DC474B"/>
+          </a:solidFill>
+          <a:ln>
+            <a:noFill/>
+          </a:ln>
+          <a:effectLst>
+            <a:glow>
+              <a:schemeClr val="accent1"/>
+            </a:glow>
+          </a:effectLst>
+        </p:spPr>
+        <p:style>
+          <a:lnRef idx="2">
+            <a:schemeClr val="accent1">
+              <a:shade val="50000"/>
+            </a:schemeClr>
+          </a:lnRef>
+          <a:fillRef idx="1">
+            <a:schemeClr val="accent1"/>
+          </a:fillRef>
+          <a:effectRef idx="0">
+            <a:schemeClr val="accent1"/>
+          </a:effectRef>
+          <a:fontRef idx="minor">
+            <a:schemeClr val="lt1"/>
+          </a:fontRef>
+        </p:style>
+        <p:txBody>
+          <a:bodyPr rtlCol="0" anchor="ctr"/>
+          <a:lstStyle/>
+          <a:p>
+            <a:pPr algn="ctr"/>
+            <a:endParaRPr lang="pt-BR"/>
+          </a:p>
+        </p:txBody>
+      </p:sp>
+      <p:sp>
+        <p:nvSpPr>
+          <p:cNvPr id="2" name="Título 1"/>
+          <p:cNvSpPr>
+            <a:spLocks noGrp="1"/>
+          </p:cNvSpPr>
+          <p:nvPr>
+            <p:ph type="ctrTitle"/>
+          </p:nvPr>
+        </p:nvSpPr>
+        <p:spPr>
+          <a:xfrm>
+            <a:off x="-4764" y="80449"/>
+            <a:ext cx="9205035" cy="1223237"/>
+          </a:xfrm>
+          <a:ln>
+            <a:noFill/>
+          </a:ln>
+          <a:effectLst>
+            <a:outerShdw blurRad="44450" dist="27940" dir="5400000" algn="ctr">
+              <a:schemeClr val="tx1">
+                <a:alpha val="32000"/>
+              </a:schemeClr>
+            </a:outerShdw>
+          </a:effectLst>
+          <a:scene3d>
+            <a:camera prst="orthographicFront">
+              <a:rot lat="0" lon="0" rev="0"/>
+            </a:camera>
+            <a:lightRig rig="balanced" dir="t">
+              <a:rot lat="0" lon="0" rev="8700000"/>
+            </a:lightRig>
+          </a:scene3d>
+          <a:sp3d>
+            <a:bevelT w="190500" h="38100"/>
+          </a:sp3d>
+        </p:spPr>
+        <p:txBody>
+          <a:bodyPr>
+            <a:noAutofit/>
+          </a:bodyPr>
+          <a:lstStyle/>
+          <a:p>
+            <a:pPr algn="l"/>
+            <a:r>
+              <a:rPr lang="pt-BR" sz="4800" dirty="0">
+                <a:solidFill>
+                  <a:schemeClr val="bg1"/>
+                </a:solidFill>
+                <a:latin typeface="Arial" panose="020B0604020202020204" pitchFamily="34" charset="0"/>
+                <a:cs typeface="Arial" panose="020B0604020202020204" pitchFamily="34" charset="0"/>
+              </a:rPr>
+              <a:t>Função Extrair Texto(</a:t>
+            </a:r>
+            <a:r>
+              <a:rPr lang="pt-BR" sz="4800" dirty="0" err="1">
+                <a:solidFill>
+                  <a:schemeClr val="bg1"/>
+                </a:solidFill>
+                <a:latin typeface="Arial" panose="020B0604020202020204" pitchFamily="34" charset="0"/>
+                <a:cs typeface="Arial" panose="020B0604020202020204" pitchFamily="34" charset="0"/>
+              </a:rPr>
+              <a:t>ext.texto</a:t>
+            </a:r>
+            <a:r>
+              <a:rPr lang="pt-BR" sz="4800" dirty="0">
+                <a:solidFill>
+                  <a:schemeClr val="bg1"/>
+                </a:solidFill>
+                <a:latin typeface="Arial" panose="020B0604020202020204" pitchFamily="34" charset="0"/>
+                <a:cs typeface="Arial" panose="020B0604020202020204" pitchFamily="34" charset="0"/>
+              </a:rPr>
+              <a:t>)</a:t>
+            </a:r>
+            <a:r>
+              <a:rPr lang="pt-BR" sz="6000" dirty="0">
+                <a:solidFill>
+                  <a:schemeClr val="bg1"/>
+                </a:solidFill>
+                <a:latin typeface="Arial" panose="020B0604020202020204" pitchFamily="34" charset="0"/>
+                <a:cs typeface="Arial" panose="020B0604020202020204" pitchFamily="34" charset="0"/>
+              </a:rPr>
+              <a:t>:</a:t>
+            </a:r>
+          </a:p>
+        </p:txBody>
+      </p:sp>
+      <p:grpSp>
+        <p:nvGrpSpPr>
+          <p:cNvPr id="3" name="Grupo 2"/>
+          <p:cNvGrpSpPr/>
+          <p:nvPr/>
+        </p:nvGrpSpPr>
+        <p:grpSpPr>
+          <a:xfrm>
+            <a:off x="9009915" y="332447"/>
+            <a:ext cx="3182085" cy="978406"/>
+            <a:chOff x="9009915" y="332447"/>
+            <a:chExt cx="3182085" cy="978406"/>
+          </a:xfrm>
+        </p:grpSpPr>
+        <p:pic>
+          <p:nvPicPr>
+            <p:cNvPr id="1026" name="Picture 2" descr="http://www.ccbeusorocaba.com.br/wp-content/uploads/2014/10/logo-site.png"/>
+            <p:cNvPicPr>
+              <a:picLocks noChangeAspect="1" noChangeArrowheads="1"/>
+            </p:cNvPicPr>
+            <p:nvPr/>
+          </p:nvPicPr>
+          <p:blipFill rotWithShape="1">
+            <a:blip r:embed="rId2">
+              <a:biLevel thresh="25000"/>
+              <a:extLst>
+                <a:ext uri="{28A0092B-C50C-407E-A947-70E740481C1C}">
+                  <a14:useLocalDpi xmlns:a14="http://schemas.microsoft.com/office/drawing/2010/main" val="0"/>
+                </a:ext>
+              </a:extLst>
+            </a:blip>
+            <a:srcRect b="22842"/>
+            <a:stretch/>
+          </p:blipFill>
+          <p:spPr bwMode="auto">
+            <a:xfrm>
+              <a:off x="9009915" y="332447"/>
+              <a:ext cx="3177322" cy="753404"/>
+            </a:xfrm>
+            <a:prstGeom prst="rect">
+              <a:avLst/>
+            </a:prstGeom>
+            <a:noFill/>
+            <a:effectLst/>
+            <a:extLst>
+              <a:ext uri="{909E8E84-426E-40DD-AFC4-6F175D3DCCD1}">
+                <a14:hiddenFill xmlns:a14="http://schemas.microsoft.com/office/drawing/2010/main">
+                  <a:solidFill>
+                    <a:srgbClr val="FFFFFF"/>
+                  </a:solidFill>
+                </a14:hiddenFill>
+              </a:ext>
+            </a:extLst>
+          </p:spPr>
+        </p:pic>
+        <p:pic>
+          <p:nvPicPr>
+            <p:cNvPr id="8" name="Picture 2" descr="http://www.ccbeusorocaba.com.br/wp-content/uploads/2014/10/logo-site.png"/>
+            <p:cNvPicPr>
+              <a:picLocks noChangeAspect="1" noChangeArrowheads="1"/>
+            </p:cNvPicPr>
+            <p:nvPr/>
+          </p:nvPicPr>
+          <p:blipFill rotWithShape="1">
+            <a:blip r:embed="rId3">
+              <a:biLevel thresh="25000"/>
+              <a:extLst>
+                <a:ext uri="{BEBA8EAE-BF5A-486C-A8C5-ECC9F3942E4B}">
+                  <a14:imgProps xmlns:a14="http://schemas.microsoft.com/office/drawing/2010/main">
+                    <a14:imgLayer r:embed="rId4">
+                      <a14:imgEffect>
+                        <a14:brightnessContrast bright="20000" contrast="-40000"/>
+                      </a14:imgEffect>
+                    </a14:imgLayer>
+                  </a14:imgProps>
+                </a:ext>
+                <a:ext uri="{28A0092B-C50C-407E-A947-70E740481C1C}">
+                  <a14:useLocalDpi xmlns:a14="http://schemas.microsoft.com/office/drawing/2010/main" val="0"/>
+                </a:ext>
+              </a:extLst>
+            </a:blip>
+            <a:srcRect t="76760"/>
+            <a:stretch/>
+          </p:blipFill>
+          <p:spPr bwMode="auto">
+            <a:xfrm>
+              <a:off x="9014678" y="1083922"/>
+              <a:ext cx="3177322" cy="226931"/>
+            </a:xfrm>
+            <a:prstGeom prst="rect">
+              <a:avLst/>
+            </a:prstGeom>
+            <a:noFill/>
+            <a:effectLst/>
+            <a:extLst>
+              <a:ext uri="{909E8E84-426E-40DD-AFC4-6F175D3DCCD1}">
+                <a14:hiddenFill xmlns:a14="http://schemas.microsoft.com/office/drawing/2010/main">
+                  <a:solidFill>
+                    <a:srgbClr val="FFFFFF"/>
+                  </a:solidFill>
+                </a14:hiddenFill>
+              </a:ext>
+            </a:extLst>
+          </p:spPr>
+        </p:pic>
+      </p:grpSp>
+      <p:grpSp>
+        <p:nvGrpSpPr>
+          <p:cNvPr id="14" name="Agrupar 13"/>
+          <p:cNvGrpSpPr/>
+          <p:nvPr/>
+        </p:nvGrpSpPr>
+        <p:grpSpPr>
+          <a:xfrm>
+            <a:off x="387555" y="2055161"/>
+            <a:ext cx="11098454" cy="3381875"/>
+            <a:chOff x="922127" y="1907577"/>
+            <a:chExt cx="7878274" cy="2400635"/>
+          </a:xfrm>
+        </p:grpSpPr>
+        <p:pic>
+          <p:nvPicPr>
+            <p:cNvPr id="11" name="Imagem 10" descr="Recorte de Tela"/>
+            <p:cNvPicPr>
+              <a:picLocks noChangeAspect="1"/>
+            </p:cNvPicPr>
+            <p:nvPr/>
+          </p:nvPicPr>
+          <p:blipFill>
+            <a:blip r:embed="rId5">
+              <a:extLst>
+                <a:ext uri="{28A0092B-C50C-407E-A947-70E740481C1C}">
+                  <a14:useLocalDpi xmlns:a14="http://schemas.microsoft.com/office/drawing/2010/main" val="0"/>
+                </a:ext>
+              </a:extLst>
+            </a:blip>
+            <a:stretch>
+              <a:fillRect/>
+            </a:stretch>
+          </p:blipFill>
+          <p:spPr>
+            <a:xfrm>
+              <a:off x="922127" y="1907577"/>
+              <a:ext cx="6858957" cy="876422"/>
+            </a:xfrm>
+            <a:prstGeom prst="rect">
+              <a:avLst/>
+            </a:prstGeom>
+          </p:spPr>
+        </p:pic>
+        <p:pic>
+          <p:nvPicPr>
+            <p:cNvPr id="13" name="Imagem 12" descr="Recorte de Tela"/>
+            <p:cNvPicPr>
+              <a:picLocks noChangeAspect="1"/>
+            </p:cNvPicPr>
+            <p:nvPr/>
+          </p:nvPicPr>
+          <p:blipFill>
+            <a:blip r:embed="rId6">
+              <a:extLst>
+                <a:ext uri="{28A0092B-C50C-407E-A947-70E740481C1C}">
+                  <a14:useLocalDpi xmlns:a14="http://schemas.microsoft.com/office/drawing/2010/main" val="0"/>
+                </a:ext>
+              </a:extLst>
+            </a:blip>
+            <a:stretch>
+              <a:fillRect/>
+            </a:stretch>
+          </p:blipFill>
+          <p:spPr>
+            <a:xfrm>
+              <a:off x="922127" y="2783999"/>
+              <a:ext cx="7878274" cy="1524213"/>
+            </a:xfrm>
+            <a:prstGeom prst="rect">
+              <a:avLst/>
+            </a:prstGeom>
+          </p:spPr>
+        </p:pic>
+      </p:grpSp>
+    </p:spTree>
+    <p:extLst>
+      <p:ext uri="{BB962C8B-B14F-4D97-AF65-F5344CB8AC3E}">
+        <p14:creationId xmlns:p14="http://schemas.microsoft.com/office/powerpoint/2010/main" val="1711049426"/>
+      </p:ext>
+    </p:extLst>
+  </p:cSld>
+  <p:clrMapOvr>
+    <a:masterClrMapping/>
+  </p:clrMapOvr>
+  <mc:AlternateContent xmlns:mc="http://schemas.openxmlformats.org/markup-compatibility/2006" xmlns:p159="http://schemas.microsoft.com/office/powerpoint/2015/09/main">
+    <mc:Choice Requires="p159">
+      <p:transition xmlns:p14="http://schemas.microsoft.com/office/powerpoint/2010/main" spd="slow" p14:dur="2000">
+        <p159:morph option="byObject"/>
+      </p:transition>
+    </mc:Choice>
+    <mc:Fallback xmlns="">
+      <p:transition spd="slow">
+        <p:fade/>
+      </p:transition>
+    </mc:Fallback>
+  </mc:AlternateContent>
+</p:sld>
+</file>
+
+<file path=ppt/slides/slide9.xml><?xml version="1.0" encoding="utf-8"?>
+<p:sld xmlns:a="http://schemas.openxmlformats.org/drawingml/2006/main" xmlns:r="http://schemas.openxmlformats.org/officeDocument/2006/relationships" xmlns:p="http://schemas.openxmlformats.org/presentationml/2006/main">
+  <p:cSld>
+    <p:spTree>
+      <p:nvGrpSpPr>
+        <p:cNvPr id="1" name=""/>
+        <p:cNvGrpSpPr/>
+        <p:nvPr/>
+      </p:nvGrpSpPr>
+      <p:grpSpPr>
+        <a:xfrm>
+          <a:off x="0" y="0"/>
+          <a:ext cx="0" cy="0"/>
+          <a:chOff x="0" y="0"/>
+          <a:chExt cx="0" cy="0"/>
+        </a:xfrm>
+      </p:grpSpPr>
+      <p:sp>
+        <p:nvSpPr>
+          <p:cNvPr id="6" name="Retângulo 5"/>
+          <p:cNvSpPr/>
+          <p:nvPr/>
+        </p:nvSpPr>
+        <p:spPr>
+          <a:xfrm flipH="1">
+            <a:off x="-4763" y="165794"/>
+            <a:ext cx="12192000" cy="1309753"/>
+          </a:xfrm>
+          <a:prstGeom prst="rect">
+            <a:avLst/>
+          </a:prstGeom>
+          <a:solidFill>
+            <a:srgbClr val="DC474B"/>
+          </a:solidFill>
+          <a:ln>
+            <a:noFill/>
+          </a:ln>
+          <a:effectLst>
+            <a:glow>
+              <a:schemeClr val="accent1"/>
+            </a:glow>
+          </a:effectLst>
+        </p:spPr>
+        <p:style>
+          <a:lnRef idx="2">
+            <a:schemeClr val="accent1">
+              <a:shade val="50000"/>
+            </a:schemeClr>
+          </a:lnRef>
+          <a:fillRef idx="1">
+            <a:schemeClr val="accent1"/>
+          </a:fillRef>
+          <a:effectRef idx="0">
+            <a:schemeClr val="accent1"/>
+          </a:effectRef>
+          <a:fontRef idx="minor">
+            <a:schemeClr val="lt1"/>
+          </a:fontRef>
+        </p:style>
+        <p:txBody>
+          <a:bodyPr rtlCol="0" anchor="ctr"/>
+          <a:lstStyle/>
+          <a:p>
+            <a:pPr algn="ctr"/>
+            <a:endParaRPr lang="pt-BR"/>
+          </a:p>
+        </p:txBody>
+      </p:sp>
+      <p:sp>
+        <p:nvSpPr>
+          <p:cNvPr id="2" name="Título 1"/>
+          <p:cNvSpPr>
+            <a:spLocks noGrp="1"/>
+          </p:cNvSpPr>
+          <p:nvPr>
+            <p:ph type="ctrTitle"/>
+          </p:nvPr>
+        </p:nvSpPr>
+        <p:spPr>
+          <a:xfrm>
+            <a:off x="-4764" y="80449"/>
+            <a:ext cx="9205035" cy="1223237"/>
+          </a:xfrm>
+          <a:ln>
+            <a:noFill/>
+          </a:ln>
+          <a:effectLst>
+            <a:outerShdw blurRad="44450" dist="27940" dir="5400000" algn="ctr">
+              <a:schemeClr val="tx1">
+                <a:alpha val="32000"/>
+              </a:schemeClr>
+            </a:outerShdw>
+          </a:effectLst>
+          <a:scene3d>
+            <a:camera prst="orthographicFront">
+              <a:rot lat="0" lon="0" rev="0"/>
+            </a:camera>
+            <a:lightRig rig="balanced" dir="t">
+              <a:rot lat="0" lon="0" rev="8700000"/>
+            </a:lightRig>
+          </a:scene3d>
+          <a:sp3d>
+            <a:bevelT w="190500" h="38100"/>
+          </a:sp3d>
+        </p:spPr>
+        <p:txBody>
+          <a:bodyPr>
+            <a:noAutofit/>
+          </a:bodyPr>
+          <a:lstStyle/>
+          <a:p>
+            <a:pPr algn="l"/>
+            <a:r>
+              <a:rPr lang="pt-BR" sz="4800" dirty="0">
+                <a:solidFill>
+                  <a:schemeClr val="bg1"/>
+                </a:solidFill>
+                <a:latin typeface="Arial" panose="020B0604020202020204" pitchFamily="34" charset="0"/>
+                <a:cs typeface="Arial" panose="020B0604020202020204" pitchFamily="34" charset="0"/>
+              </a:rPr>
+              <a:t>Função Substituir</a:t>
+            </a:r>
+            <a:r>
+              <a:rPr lang="pt-BR" sz="6000" dirty="0">
+                <a:solidFill>
+                  <a:schemeClr val="bg1"/>
+                </a:solidFill>
+                <a:latin typeface="Arial" panose="020B0604020202020204" pitchFamily="34" charset="0"/>
+                <a:cs typeface="Arial" panose="020B0604020202020204" pitchFamily="34" charset="0"/>
+              </a:rPr>
+              <a:t>:</a:t>
+            </a:r>
+          </a:p>
+        </p:txBody>
+      </p:sp>
+      <p:grpSp>
+        <p:nvGrpSpPr>
+          <p:cNvPr id="3" name="Grupo 2"/>
+          <p:cNvGrpSpPr/>
+          <p:nvPr/>
+        </p:nvGrpSpPr>
+        <p:grpSpPr>
+          <a:xfrm>
+            <a:off x="9009915" y="332447"/>
+            <a:ext cx="3182085" cy="978406"/>
+            <a:chOff x="9009915" y="332447"/>
+            <a:chExt cx="3182085" cy="978406"/>
+          </a:xfrm>
+        </p:grpSpPr>
+        <p:pic>
+          <p:nvPicPr>
+            <p:cNvPr id="1026" name="Picture 2" descr="http://www.ccbeusorocaba.com.br/wp-content/uploads/2014/10/logo-site.png"/>
+            <p:cNvPicPr>
+              <a:picLocks noChangeAspect="1" noChangeArrowheads="1"/>
+            </p:cNvPicPr>
+            <p:nvPr/>
+          </p:nvPicPr>
+          <p:blipFill rotWithShape="1">
+            <a:blip r:embed="rId2">
+              <a:biLevel thresh="25000"/>
+              <a:extLst>
+                <a:ext uri="{28A0092B-C50C-407E-A947-70E740481C1C}">
+                  <a14:useLocalDpi xmlns:a14="http://schemas.microsoft.com/office/drawing/2010/main" val="0"/>
+                </a:ext>
+              </a:extLst>
+            </a:blip>
+            <a:srcRect b="22842"/>
+            <a:stretch/>
+          </p:blipFill>
+          <p:spPr bwMode="auto">
+            <a:xfrm>
+              <a:off x="9009915" y="332447"/>
+              <a:ext cx="3177322" cy="753404"/>
+            </a:xfrm>
+            <a:prstGeom prst="rect">
+              <a:avLst/>
+            </a:prstGeom>
+            <a:noFill/>
+            <a:effectLst/>
+            <a:extLst>
+              <a:ext uri="{909E8E84-426E-40DD-AFC4-6F175D3DCCD1}">
+                <a14:hiddenFill xmlns:a14="http://schemas.microsoft.com/office/drawing/2010/main">
+                  <a:solidFill>
+                    <a:srgbClr val="FFFFFF"/>
+                  </a:solidFill>
+                </a14:hiddenFill>
+              </a:ext>
+            </a:extLst>
+          </p:spPr>
+        </p:pic>
+        <p:pic>
+          <p:nvPicPr>
+            <p:cNvPr id="8" name="Picture 2" descr="http://www.ccbeusorocaba.com.br/wp-content/uploads/2014/10/logo-site.png"/>
+            <p:cNvPicPr>
+              <a:picLocks noChangeAspect="1" noChangeArrowheads="1"/>
+            </p:cNvPicPr>
+            <p:nvPr/>
+          </p:nvPicPr>
+          <p:blipFill rotWithShape="1">
+            <a:blip r:embed="rId3">
+              <a:biLevel thresh="25000"/>
+              <a:extLst>
+                <a:ext uri="{BEBA8EAE-BF5A-486C-A8C5-ECC9F3942E4B}">
+                  <a14:imgProps xmlns:a14="http://schemas.microsoft.com/office/drawing/2010/main">
+                    <a14:imgLayer r:embed="rId4">
+                      <a14:imgEffect>
+                        <a14:brightnessContrast bright="20000" contrast="-40000"/>
+                      </a14:imgEffect>
+                    </a14:imgLayer>
+                  </a14:imgProps>
+                </a:ext>
+                <a:ext uri="{28A0092B-C50C-407E-A947-70E740481C1C}">
+                  <a14:useLocalDpi xmlns:a14="http://schemas.microsoft.com/office/drawing/2010/main" val="0"/>
+                </a:ext>
+              </a:extLst>
+            </a:blip>
+            <a:srcRect t="76760"/>
+            <a:stretch/>
+          </p:blipFill>
+          <p:spPr bwMode="auto">
+            <a:xfrm>
+              <a:off x="9014678" y="1083922"/>
+              <a:ext cx="3177322" cy="226931"/>
+            </a:xfrm>
+            <a:prstGeom prst="rect">
+              <a:avLst/>
+            </a:prstGeom>
+            <a:noFill/>
+            <a:effectLst/>
+            <a:extLst>
+              <a:ext uri="{909E8E84-426E-40DD-AFC4-6F175D3DCCD1}">
+                <a14:hiddenFill xmlns:a14="http://schemas.microsoft.com/office/drawing/2010/main">
+                  <a:solidFill>
+                    <a:srgbClr val="FFFFFF"/>
+                  </a:solidFill>
+                </a14:hiddenFill>
+              </a:ext>
+            </a:extLst>
+          </p:spPr>
+        </p:pic>
+      </p:grpSp>
+      <p:pic>
+        <p:nvPicPr>
+          <p:cNvPr id="5" name="Imagem 4" descr="Recorte de Tela">
+            <a:extLst>
+              <a:ext uri="{FF2B5EF4-FFF2-40B4-BE49-F238E27FC236}">
+                <a16:creationId xmlns:a16="http://schemas.microsoft.com/office/drawing/2014/main" id="{2E3055B2-407F-4E0B-9628-7CB6031BD871}"/>
+              </a:ext>
+            </a:extLst>
+          </p:cNvPr>
+          <p:cNvPicPr>
+            <a:picLocks noChangeAspect="1"/>
+          </p:cNvPicPr>
+          <p:nvPr/>
+        </p:nvPicPr>
+        <p:blipFill>
+          <a:blip r:embed="rId5">
+            <a:extLst>
+              <a:ext uri="{28A0092B-C50C-407E-A947-70E740481C1C}">
+                <a14:useLocalDpi xmlns:a14="http://schemas.microsoft.com/office/drawing/2010/main" val="0"/>
+              </a:ext>
+            </a:extLst>
+          </a:blip>
+          <a:stretch>
+            <a:fillRect/>
+          </a:stretch>
+        </p:blipFill>
+        <p:spPr>
+          <a:xfrm>
+            <a:off x="825861" y="1475547"/>
+            <a:ext cx="8866779" cy="5325218"/>
+          </a:xfrm>
+          <a:prstGeom prst="rect">
+            <a:avLst/>
+          </a:prstGeom>
+        </p:spPr>
+      </p:pic>
+    </p:spTree>
+    <p:extLst>
+      <p:ext uri="{BB962C8B-B14F-4D97-AF65-F5344CB8AC3E}">
+        <p14:creationId xmlns:p14="http://schemas.microsoft.com/office/powerpoint/2010/main" val="2220682917"/>
+      </p:ext>
+    </p:extLst>
+  </p:cSld>
+  <p:clrMapOvr>
+    <a:masterClrMapping/>
+  </p:clrMapOvr>
+  <mc:AlternateContent xmlns:mc="http://schemas.openxmlformats.org/markup-compatibility/2006" xmlns:p159="http://schemas.microsoft.com/office/powerpoint/2015/09/main">
+    <mc:Choice Requires="p159">
+      <p:transition xmlns:p14="http://schemas.microsoft.com/office/powerpoint/2010/main" spd="slow" p14:dur="2000">
+        <p159:morph option="byObject"/>
+      </p:transition>
+    </mc:Choice>
+    <mc:Fallback xmlns="">
+      <p:transition spd="slow">
+        <p:fade/>
+      </p:transition>
+    </mc:Fallback>
+  </mc:AlternateContent>
 </p:sld>
 </file>
 
